--- a/宣道詩/(宣道詩159)憑你意行.pptx
+++ b/宣道詩/(宣道詩159)憑你意行.pptx
@@ -5,10 +5,15 @@
     <p:sldMasterId id="2147483672" r:id="rId1"/>
   </p:sldMasterIdLst>
   <p:sldIdLst>
-    <p:sldId id="261" r:id="rId2"/>
-    <p:sldId id="262" r:id="rId3"/>
-    <p:sldId id="263" r:id="rId4"/>
-    <p:sldId id="264" r:id="rId5"/>
+    <p:sldId id="265" r:id="rId2"/>
+    <p:sldId id="266" r:id="rId3"/>
+    <p:sldId id="267" r:id="rId4"/>
+    <p:sldId id="268" r:id="rId5"/>
+    <p:sldId id="269" r:id="rId6"/>
+    <p:sldId id="270" r:id="rId7"/>
+    <p:sldId id="271" r:id="rId8"/>
+    <p:sldId id="272" r:id="rId9"/>
+    <p:sldId id="273" r:id="rId10"/>
   </p:sldIdLst>
   <p:sldSz cx="12192000" cy="6858000"/>
   <p:notesSz cx="6858000" cy="9144000"/>
@@ -307,7 +312,7 @@
           <a:p>
             <a:fld id="{5F61B72B-7FC3-4531-BDF9-745E58DBB0A3}" type="datetimeFigureOut">
               <a:rPr lang="zh-TW" altLang="en-US" smtClean="0"/>
-              <a:t>2020/8/1</a:t>
+              <a:t>2020/10/30</a:t>
             </a:fld>
             <a:endParaRPr lang="zh-TW" altLang="en-US"/>
           </a:p>
@@ -477,7 +482,7 @@
           <a:p>
             <a:fld id="{5F61B72B-7FC3-4531-BDF9-745E58DBB0A3}" type="datetimeFigureOut">
               <a:rPr lang="zh-TW" altLang="en-US" smtClean="0"/>
-              <a:t>2020/8/1</a:t>
+              <a:t>2020/10/30</a:t>
             </a:fld>
             <a:endParaRPr lang="zh-TW" altLang="en-US"/>
           </a:p>
@@ -657,7 +662,7 @@
           <a:p>
             <a:fld id="{5F61B72B-7FC3-4531-BDF9-745E58DBB0A3}" type="datetimeFigureOut">
               <a:rPr lang="zh-TW" altLang="en-US" smtClean="0"/>
-              <a:t>2020/8/1</a:t>
+              <a:t>2020/10/30</a:t>
             </a:fld>
             <a:endParaRPr lang="zh-TW" altLang="en-US"/>
           </a:p>
@@ -827,7 +832,7 @@
           <a:p>
             <a:fld id="{5F61B72B-7FC3-4531-BDF9-745E58DBB0A3}" type="datetimeFigureOut">
               <a:rPr lang="zh-TW" altLang="en-US" smtClean="0"/>
-              <a:t>2020/8/1</a:t>
+              <a:t>2020/10/30</a:t>
             </a:fld>
             <a:endParaRPr lang="zh-TW" altLang="en-US"/>
           </a:p>
@@ -1073,7 +1078,7 @@
           <a:p>
             <a:fld id="{5F61B72B-7FC3-4531-BDF9-745E58DBB0A3}" type="datetimeFigureOut">
               <a:rPr lang="zh-TW" altLang="en-US" smtClean="0"/>
-              <a:t>2020/8/1</a:t>
+              <a:t>2020/10/30</a:t>
             </a:fld>
             <a:endParaRPr lang="zh-TW" altLang="en-US"/>
           </a:p>
@@ -1361,7 +1366,7 @@
           <a:p>
             <a:fld id="{5F61B72B-7FC3-4531-BDF9-745E58DBB0A3}" type="datetimeFigureOut">
               <a:rPr lang="zh-TW" altLang="en-US" smtClean="0"/>
-              <a:t>2020/8/1</a:t>
+              <a:t>2020/10/30</a:t>
             </a:fld>
             <a:endParaRPr lang="zh-TW" altLang="en-US"/>
           </a:p>
@@ -1783,7 +1788,7 @@
           <a:p>
             <a:fld id="{5F61B72B-7FC3-4531-BDF9-745E58DBB0A3}" type="datetimeFigureOut">
               <a:rPr lang="zh-TW" altLang="en-US" smtClean="0"/>
-              <a:t>2020/8/1</a:t>
+              <a:t>2020/10/30</a:t>
             </a:fld>
             <a:endParaRPr lang="zh-TW" altLang="en-US"/>
           </a:p>
@@ -1901,7 +1906,7 @@
           <a:p>
             <a:fld id="{5F61B72B-7FC3-4531-BDF9-745E58DBB0A3}" type="datetimeFigureOut">
               <a:rPr lang="zh-TW" altLang="en-US" smtClean="0"/>
-              <a:t>2020/8/1</a:t>
+              <a:t>2020/10/30</a:t>
             </a:fld>
             <a:endParaRPr lang="zh-TW" altLang="en-US"/>
           </a:p>
@@ -1996,7 +2001,7 @@
           <a:p>
             <a:fld id="{5F61B72B-7FC3-4531-BDF9-745E58DBB0A3}" type="datetimeFigureOut">
               <a:rPr lang="zh-TW" altLang="en-US" smtClean="0"/>
-              <a:t>2020/8/1</a:t>
+              <a:t>2020/10/30</a:t>
             </a:fld>
             <a:endParaRPr lang="zh-TW" altLang="en-US"/>
           </a:p>
@@ -2273,7 +2278,7 @@
           <a:p>
             <a:fld id="{5F61B72B-7FC3-4531-BDF9-745E58DBB0A3}" type="datetimeFigureOut">
               <a:rPr lang="zh-TW" altLang="en-US" smtClean="0"/>
-              <a:t>2020/8/1</a:t>
+              <a:t>2020/10/30</a:t>
             </a:fld>
             <a:endParaRPr lang="zh-TW" altLang="en-US"/>
           </a:p>
@@ -2530,7 +2535,7 @@
           <a:p>
             <a:fld id="{5F61B72B-7FC3-4531-BDF9-745E58DBB0A3}" type="datetimeFigureOut">
               <a:rPr lang="zh-TW" altLang="en-US" smtClean="0"/>
-              <a:t>2020/8/1</a:t>
+              <a:t>2020/10/30</a:t>
             </a:fld>
             <a:endParaRPr lang="zh-TW" altLang="en-US"/>
           </a:p>
@@ -2748,7 +2753,7 @@
           <a:p>
             <a:fld id="{5F61B72B-7FC3-4531-BDF9-745E58DBB0A3}" type="datetimeFigureOut">
               <a:rPr lang="zh-TW" altLang="en-US" smtClean="0"/>
-              <a:t>2020/8/1</a:t>
+              <a:t>2020/10/30</a:t>
             </a:fld>
             <a:endParaRPr lang="zh-TW" altLang="en-US"/>
           </a:p>
@@ -3125,205 +3130,147 @@
       </p:grpSpPr>
       <p:sp>
         <p:nvSpPr>
-          <p:cNvPr id="2" name="Title 1"/>
+          <p:cNvPr id="4" name="標題 3"/>
           <p:cNvSpPr>
             <a:spLocks noGrp="1"/>
           </p:cNvSpPr>
           <p:nvPr>
             <p:ph type="title"/>
           </p:nvPr>
-        </p:nvSpPr>
-        <p:spPr/>
-        <p:txBody>
-          <a:bodyPr>
-            <a:normAutofit/>
-          </a:bodyPr>
-          <a:lstStyle/>
-          <a:p>
-            <a:r>
-              <a:rPr lang="zh-TW" altLang="en-US" sz="4800" b="1" dirty="0">
-                <a:latin typeface="Microsoft JhengHei" panose="020B0604030504040204" pitchFamily="34" charset="-120"/>
-                <a:ea typeface="Microsoft JhengHei" panose="020B0604030504040204" pitchFamily="34" charset="-120"/>
-              </a:rPr>
-              <a:t>憑你意行</a:t>
-            </a:r>
-            <a:endParaRPr lang="vi-VN" sz="4800" b="1" dirty="0">
-              <a:ea typeface="Microsoft JhengHei" panose="020B0604030504040204" pitchFamily="34" charset="-120"/>
-            </a:endParaRPr>
-          </a:p>
-        </p:txBody>
-      </p:sp>
-      <p:sp>
-        <p:nvSpPr>
-          <p:cNvPr id="3" name="Content Placeholder 2"/>
-          <p:cNvSpPr>
-            <a:spLocks noGrp="1"/>
-          </p:cNvSpPr>
-          <p:nvPr>
-            <p:ph idx="1"/>
-          </p:nvPr>
-        </p:nvSpPr>
-        <p:spPr/>
-        <p:txBody>
-          <a:bodyPr>
-            <a:normAutofit/>
-          </a:bodyPr>
-          <a:lstStyle/>
-          <a:p>
-            <a:pPr algn="ctr">
-              <a:buNone/>
-            </a:pPr>
-            <a:r>
-              <a:rPr lang="zh-TW" altLang="en-US" sz="5400" b="1" dirty="0">
-                <a:latin typeface="Microsoft JhengHei" panose="020B0604030504040204" pitchFamily="34" charset="-120"/>
-                <a:ea typeface="Microsoft JhengHei" panose="020B0604030504040204" pitchFamily="34" charset="-120"/>
-              </a:rPr>
-              <a:t>憑你意行  主  憑你意</a:t>
-            </a:r>
-            <a:r>
-              <a:rPr lang="zh-TW" altLang="en-US" sz="5400" b="1" dirty="0" smtClean="0">
-                <a:latin typeface="Microsoft JhengHei" panose="020B0604030504040204" pitchFamily="34" charset="-120"/>
-                <a:ea typeface="Microsoft JhengHei" panose="020B0604030504040204" pitchFamily="34" charset="-120"/>
-              </a:rPr>
-              <a:t>行</a:t>
-            </a:r>
-            <a:endParaRPr lang="en-US" altLang="zh-TW" sz="5400" b="1" dirty="0" smtClean="0">
-              <a:latin typeface="Microsoft JhengHei" panose="020B0604030504040204" pitchFamily="34" charset="-120"/>
-              <a:ea typeface="Microsoft JhengHei" panose="020B0604030504040204" pitchFamily="34" charset="-120"/>
-            </a:endParaRPr>
-          </a:p>
-          <a:p>
-            <a:pPr algn="ctr">
-              <a:buNone/>
-            </a:pPr>
-            <a:r>
-              <a:rPr lang="zh-TW" altLang="en-US" sz="5400" b="1" dirty="0" smtClean="0">
-                <a:latin typeface="Microsoft JhengHei" panose="020B0604030504040204" pitchFamily="34" charset="-120"/>
-                <a:ea typeface="Microsoft JhengHei" panose="020B0604030504040204" pitchFamily="34" charset="-120"/>
-              </a:rPr>
-              <a:t>因</a:t>
-            </a:r>
-            <a:r>
-              <a:rPr lang="zh-TW" altLang="en-US" sz="5400" b="1" dirty="0">
-                <a:latin typeface="Microsoft JhengHei" panose="020B0604030504040204" pitchFamily="34" charset="-120"/>
-                <a:ea typeface="Microsoft JhengHei" panose="020B0604030504040204" pitchFamily="34" charset="-120"/>
-              </a:rPr>
-              <a:t>主是陶匠  我是泥</a:t>
-            </a:r>
-            <a:r>
-              <a:rPr lang="zh-TW" altLang="en-US" sz="5400" b="1" dirty="0" smtClean="0">
-                <a:latin typeface="Microsoft JhengHei" panose="020B0604030504040204" pitchFamily="34" charset="-120"/>
-                <a:ea typeface="Microsoft JhengHei" panose="020B0604030504040204" pitchFamily="34" charset="-120"/>
-              </a:rPr>
-              <a:t>土</a:t>
-            </a:r>
-            <a:endParaRPr lang="en-US" altLang="zh-TW" sz="5400" b="1" dirty="0" smtClean="0">
-              <a:latin typeface="Microsoft JhengHei" panose="020B0604030504040204" pitchFamily="34" charset="-120"/>
-              <a:ea typeface="Microsoft JhengHei" panose="020B0604030504040204" pitchFamily="34" charset="-120"/>
-            </a:endParaRPr>
-          </a:p>
-          <a:p>
-            <a:pPr algn="ctr">
-              <a:buNone/>
-            </a:pPr>
-            <a:r>
-              <a:rPr lang="zh-TW" altLang="en-US" sz="5400" b="1" dirty="0" smtClean="0">
-                <a:latin typeface="Microsoft JhengHei" panose="020B0604030504040204" pitchFamily="34" charset="-120"/>
-                <a:ea typeface="Microsoft JhengHei" panose="020B0604030504040204" pitchFamily="34" charset="-120"/>
-              </a:rPr>
-              <a:t>陶</a:t>
-            </a:r>
-            <a:r>
-              <a:rPr lang="zh-TW" altLang="en-US" sz="5400" b="1" dirty="0">
-                <a:latin typeface="Microsoft JhengHei" panose="020B0604030504040204" pitchFamily="34" charset="-120"/>
-                <a:ea typeface="Microsoft JhengHei" panose="020B0604030504040204" pitchFamily="34" charset="-120"/>
-              </a:rPr>
-              <a:t>我與造我  照主意</a:t>
-            </a:r>
-            <a:r>
-              <a:rPr lang="zh-TW" altLang="en-US" sz="5400" b="1" dirty="0" smtClean="0">
-                <a:latin typeface="Microsoft JhengHei" panose="020B0604030504040204" pitchFamily="34" charset="-120"/>
-                <a:ea typeface="Microsoft JhengHei" panose="020B0604030504040204" pitchFamily="34" charset="-120"/>
-              </a:rPr>
-              <a:t>旨</a:t>
-            </a:r>
-            <a:endParaRPr lang="en-US" altLang="zh-TW" sz="5400" b="1" dirty="0" smtClean="0">
-              <a:latin typeface="Microsoft JhengHei" panose="020B0604030504040204" pitchFamily="34" charset="-120"/>
-              <a:ea typeface="Microsoft JhengHei" panose="020B0604030504040204" pitchFamily="34" charset="-120"/>
-            </a:endParaRPr>
-          </a:p>
-          <a:p>
-            <a:pPr algn="ctr">
-              <a:buNone/>
-            </a:pPr>
-            <a:r>
-              <a:rPr lang="zh-TW" altLang="en-US" sz="5400" b="1" dirty="0" smtClean="0">
-                <a:latin typeface="Microsoft JhengHei" panose="020B0604030504040204" pitchFamily="34" charset="-120"/>
-                <a:ea typeface="Microsoft JhengHei" panose="020B0604030504040204" pitchFamily="34" charset="-120"/>
-              </a:rPr>
-              <a:t>我</a:t>
-            </a:r>
-            <a:r>
-              <a:rPr lang="zh-TW" altLang="en-US" sz="5400" b="1" dirty="0">
-                <a:latin typeface="Microsoft JhengHei" panose="020B0604030504040204" pitchFamily="34" charset="-120"/>
-                <a:ea typeface="Microsoft JhengHei" panose="020B0604030504040204" pitchFamily="34" charset="-120"/>
-              </a:rPr>
-              <a:t>在此等待  虔恭候</a:t>
-            </a:r>
-            <a:r>
-              <a:rPr lang="zh-TW" altLang="en-US" sz="5400" b="1" dirty="0" smtClean="0">
-                <a:latin typeface="Microsoft JhengHei" panose="020B0604030504040204" pitchFamily="34" charset="-120"/>
-                <a:ea typeface="Microsoft JhengHei" panose="020B0604030504040204" pitchFamily="34" charset="-120"/>
-              </a:rPr>
-              <a:t>主</a:t>
-            </a:r>
-            <a:endParaRPr lang="zh-TW" altLang="en-US" sz="5400" b="1" dirty="0">
-              <a:latin typeface="Microsoft JhengHei" panose="020B0604030504040204" pitchFamily="34" charset="-120"/>
-              <a:ea typeface="Microsoft JhengHei" panose="020B0604030504040204" pitchFamily="34" charset="-120"/>
-            </a:endParaRPr>
-          </a:p>
-        </p:txBody>
-      </p:sp>
-      <p:sp>
-        <p:nvSpPr>
-          <p:cNvPr id="4" name="TextBox 3"/>
-          <p:cNvSpPr txBox="1"/>
-          <p:nvPr/>
         </p:nvSpPr>
         <p:spPr>
           <a:xfrm>
-            <a:off x="1127448" y="1772816"/>
-            <a:ext cx="864096" cy="830997"/>
+            <a:off x="0" y="2857513"/>
+            <a:ext cx="12192000" cy="1143000"/>
           </a:xfrm>
-          <a:prstGeom prst="rect">
-            <a:avLst/>
-          </a:prstGeom>
-          <a:noFill/>
         </p:spPr>
         <p:txBody>
-          <a:bodyPr wrap="square" rtlCol="0">
-            <a:spAutoFit/>
+          <a:bodyPr>
+            <a:noAutofit/>
           </a:bodyPr>
           <a:lstStyle/>
           <a:p>
             <a:r>
-              <a:rPr lang="en-US" sz="4800" b="1" dirty="0" smtClean="0"/>
-              <a:t>1.</a:t>
-            </a:r>
-            <a:endParaRPr lang="vi-VN" sz="4800" b="1" dirty="0"/>
+              <a:rPr lang="zh-CN" altLang="en-US" sz="5333" b="1" u="sng" dirty="0">
+                <a:solidFill>
+                  <a:srgbClr val="660033"/>
+                </a:solidFill>
+                <a:effectLst>
+                  <a:outerShdw blurRad="38100" dist="38100" dir="2700000" algn="tl">
+                    <a:srgbClr val="000000">
+                      <a:alpha val="43137"/>
+                    </a:srgbClr>
+                  </a:outerShdw>
+                </a:effectLst>
+                <a:latin typeface="微軟正黑體" pitchFamily="34" charset="-120"/>
+                <a:ea typeface="微軟正黑體" pitchFamily="34" charset="-120"/>
+              </a:rPr>
+              <a:t>宣道詩 </a:t>
+            </a:r>
+            <a:r>
+              <a:rPr lang="en-US" altLang="zh-CN" sz="5333" b="1" u="sng" dirty="0">
+                <a:solidFill>
+                  <a:srgbClr val="660033"/>
+                </a:solidFill>
+                <a:effectLst>
+                  <a:outerShdw blurRad="38100" dist="38100" dir="2700000" algn="tl">
+                    <a:srgbClr val="000000">
+                      <a:alpha val="43137"/>
+                    </a:srgbClr>
+                  </a:outerShdw>
+                </a:effectLst>
+                <a:latin typeface="微軟正黑體" pitchFamily="34" charset="-120"/>
+                <a:ea typeface="微軟正黑體" pitchFamily="34" charset="-120"/>
+              </a:rPr>
+              <a:t>159</a:t>
+            </a:r>
+            <a:r>
+              <a:rPr lang="en-US" altLang="zh-CN" sz="7200" b="1" i="1" dirty="0">
+                <a:solidFill>
+                  <a:srgbClr val="660033"/>
+                </a:solidFill>
+                <a:effectLst>
+                  <a:outerShdw blurRad="38100" dist="38100" dir="2700000" algn="tl">
+                    <a:srgbClr val="000000">
+                      <a:alpha val="43137"/>
+                    </a:srgbClr>
+                  </a:outerShdw>
+                </a:effectLst>
+                <a:latin typeface="微軟正黑體" pitchFamily="34" charset="-120"/>
+                <a:ea typeface="微軟正黑體" pitchFamily="34" charset="-120"/>
+              </a:rPr>
+              <a:t/>
+            </a:r>
+            <a:br>
+              <a:rPr lang="en-US" altLang="zh-CN" sz="7200" b="1" i="1" dirty="0">
+                <a:solidFill>
+                  <a:srgbClr val="660033"/>
+                </a:solidFill>
+                <a:effectLst>
+                  <a:outerShdw blurRad="38100" dist="38100" dir="2700000" algn="tl">
+                    <a:srgbClr val="000000">
+                      <a:alpha val="43137"/>
+                    </a:srgbClr>
+                  </a:outerShdw>
+                </a:effectLst>
+                <a:latin typeface="微軟正黑體" pitchFamily="34" charset="-120"/>
+                <a:ea typeface="微軟正黑體" pitchFamily="34" charset="-120"/>
+              </a:rPr>
+            </a:br>
+            <a:r>
+              <a:rPr lang="zh-TW" altLang="en-US" sz="8000" b="1" dirty="0">
+                <a:solidFill>
+                  <a:srgbClr val="000066"/>
+                </a:solidFill>
+                <a:effectLst>
+                  <a:outerShdw blurRad="38100" dist="38100" dir="2700000" algn="tl">
+                    <a:srgbClr val="000000">
+                      <a:alpha val="43137"/>
+                    </a:srgbClr>
+                  </a:outerShdw>
+                </a:effectLst>
+                <a:latin typeface="微軟正黑體" pitchFamily="34" charset="-120"/>
+                <a:ea typeface="微軟正黑體" pitchFamily="34" charset="-120"/>
+              </a:rPr>
+              <a:t>憑</a:t>
+            </a:r>
+            <a:r>
+              <a:rPr lang="zh-TW" altLang="en-US" sz="8000" b="1" dirty="0">
+                <a:solidFill>
+                  <a:srgbClr val="000066"/>
+                </a:solidFill>
+                <a:effectLst>
+                  <a:outerShdw blurRad="38100" dist="38100" dir="2700000" algn="tl">
+                    <a:srgbClr val="000000">
+                      <a:alpha val="43137"/>
+                    </a:srgbClr>
+                  </a:outerShdw>
+                </a:effectLst>
+                <a:latin typeface="微軟正黑體" pitchFamily="34" charset="-120"/>
+                <a:ea typeface="微軟正黑體" pitchFamily="34" charset="-120"/>
+              </a:rPr>
+              <a:t>你意行</a:t>
+            </a:r>
           </a:p>
         </p:txBody>
       </p:sp>
     </p:spTree>
     <p:extLst>
       <p:ext uri="{BB962C8B-B14F-4D97-AF65-F5344CB8AC3E}">
-        <p14:creationId xmlns:p14="http://schemas.microsoft.com/office/powerpoint/2010/main" val="639756143"/>
+        <p14:creationId xmlns:p14="http://schemas.microsoft.com/office/powerpoint/2010/main" val="1236947944"/>
       </p:ext>
     </p:extLst>
   </p:cSld>
   <p:clrMapOvr>
     <a:masterClrMapping/>
   </p:clrMapOvr>
+  <p:timing>
+    <p:tnLst>
+      <p:par>
+        <p:cTn id="1" dur="indefinite" restart="never" nodeType="tmRoot"/>
+      </p:par>
+    </p:tnLst>
+  </p:timing>
 </p:sld>
 </file>
 
@@ -3346,62 +3293,53 @@
       </p:grpSpPr>
       <p:sp>
         <p:nvSpPr>
-          <p:cNvPr id="2" name="Title 1"/>
-          <p:cNvSpPr>
-            <a:spLocks noGrp="1"/>
-          </p:cNvSpPr>
-          <p:nvPr>
-            <p:ph type="title"/>
-          </p:nvPr>
-        </p:nvSpPr>
-        <p:spPr/>
-        <p:txBody>
-          <a:bodyPr>
+          <p:cNvPr id="5" name="內容版面配置區 4"/>
+          <p:cNvSpPr>
+            <a:spLocks noGrp="1"/>
+          </p:cNvSpPr>
+          <p:nvPr>
+            <p:ph idx="1"/>
+          </p:nvPr>
+        </p:nvSpPr>
+        <p:spPr>
+          <a:xfrm>
+            <a:off x="0" y="2084851"/>
+            <a:ext cx="12192000" cy="2404863"/>
+          </a:xfrm>
+        </p:spPr>
+        <p:txBody>
+          <a:bodyPr anchor="ctr">
             <a:normAutofit/>
           </a:bodyPr>
           <a:lstStyle/>
           <a:p>
-            <a:r>
-              <a:rPr lang="zh-TW" altLang="en-US" sz="4800" b="1" dirty="0">
+            <a:pPr algn="ctr">
+              <a:buNone/>
+            </a:pPr>
+            <a:r>
+              <a:rPr lang="zh-TW" altLang="en-US" sz="6400" b="1" dirty="0">
+                <a:solidFill>
+                  <a:srgbClr val="000066"/>
+                </a:solidFill>
                 <a:latin typeface="Microsoft JhengHei" panose="020B0604030504040204" pitchFamily="34" charset="-120"/>
                 <a:ea typeface="Microsoft JhengHei" panose="020B0604030504040204" pitchFamily="34" charset="-120"/>
               </a:rPr>
-              <a:t>憑你意行</a:t>
-            </a:r>
-            <a:endParaRPr lang="vi-VN" sz="4800" b="1" dirty="0">
-              <a:ea typeface="Microsoft JhengHei" panose="020B0604030504040204" pitchFamily="34" charset="-120"/>
-            </a:endParaRPr>
-          </a:p>
-        </p:txBody>
-      </p:sp>
-      <p:sp>
-        <p:nvSpPr>
-          <p:cNvPr id="3" name="Content Placeholder 2"/>
-          <p:cNvSpPr>
-            <a:spLocks noGrp="1"/>
-          </p:cNvSpPr>
-          <p:nvPr>
-            <p:ph idx="1"/>
-          </p:nvPr>
-        </p:nvSpPr>
-        <p:spPr/>
-        <p:txBody>
-          <a:bodyPr>
-            <a:normAutofit/>
-          </a:bodyPr>
-          <a:lstStyle/>
-          <a:p>
-            <a:pPr algn="ctr">
-              <a:buNone/>
-            </a:pPr>
-            <a:r>
-              <a:rPr lang="zh-TW" altLang="en-US" sz="5400" b="1" dirty="0">
+              <a:t>憑</a:t>
+            </a:r>
+            <a:r>
+              <a:rPr lang="zh-TW" altLang="en-US" sz="6400" b="1" dirty="0">
+                <a:solidFill>
+                  <a:srgbClr val="000066"/>
+                </a:solidFill>
                 <a:latin typeface="Microsoft JhengHei" panose="020B0604030504040204" pitchFamily="34" charset="-120"/>
                 <a:ea typeface="Microsoft JhengHei" panose="020B0604030504040204" pitchFamily="34" charset="-120"/>
               </a:rPr>
-              <a:t>憑你意行  主  憑你意行</a:t>
-            </a:r>
-            <a:endParaRPr lang="en-US" altLang="zh-TW" sz="5400" b="1" dirty="0">
+              <a:t>你意行  主  憑你意行</a:t>
+            </a:r>
+            <a:endParaRPr lang="en-US" altLang="zh-TW" sz="6400" b="1" dirty="0">
+              <a:solidFill>
+                <a:srgbClr val="000066"/>
+              </a:solidFill>
               <a:latin typeface="Microsoft JhengHei" panose="020B0604030504040204" pitchFamily="34" charset="-120"/>
               <a:ea typeface="Microsoft JhengHei" panose="020B0604030504040204" pitchFamily="34" charset="-120"/>
             </a:endParaRPr>
@@ -3411,57 +3349,28 @@
               <a:buNone/>
             </a:pPr>
             <a:r>
-              <a:rPr lang="zh-TW" altLang="en-US" sz="5400" b="1" dirty="0">
+              <a:rPr lang="zh-TW" altLang="en-US" sz="6400" b="1" dirty="0">
+                <a:solidFill>
+                  <a:srgbClr val="000066"/>
+                </a:solidFill>
                 <a:latin typeface="Microsoft JhengHei" panose="020B0604030504040204" pitchFamily="34" charset="-120"/>
                 <a:ea typeface="Microsoft JhengHei" panose="020B0604030504040204" pitchFamily="34" charset="-120"/>
               </a:rPr>
-              <a:t>鑒察試驗我  就在今天</a:t>
-            </a:r>
-            <a:endParaRPr lang="en-US" altLang="zh-TW" sz="5400" b="1" dirty="0">
-              <a:latin typeface="Microsoft JhengHei" panose="020B0604030504040204" pitchFamily="34" charset="-120"/>
-              <a:ea typeface="Microsoft JhengHei" panose="020B0604030504040204" pitchFamily="34" charset="-120"/>
-            </a:endParaRPr>
-          </a:p>
-          <a:p>
-            <a:pPr algn="ctr">
-              <a:buNone/>
-            </a:pPr>
-            <a:r>
-              <a:rPr lang="zh-TW" altLang="en-US" sz="5400" b="1" dirty="0">
-                <a:latin typeface="Microsoft JhengHei" panose="020B0604030504040204" pitchFamily="34" charset="-120"/>
-                <a:ea typeface="Microsoft JhengHei" panose="020B0604030504040204" pitchFamily="34" charset="-120"/>
-              </a:rPr>
-              <a:t>求主洗潔我  皎白如雪</a:t>
-            </a:r>
-            <a:endParaRPr lang="en-US" altLang="zh-TW" sz="5400" b="1" dirty="0">
-              <a:latin typeface="Microsoft JhengHei" panose="020B0604030504040204" pitchFamily="34" charset="-120"/>
-              <a:ea typeface="Microsoft JhengHei" panose="020B0604030504040204" pitchFamily="34" charset="-120"/>
-            </a:endParaRPr>
-          </a:p>
-          <a:p>
-            <a:pPr algn="ctr">
-              <a:buNone/>
-            </a:pPr>
-            <a:r>
-              <a:rPr lang="zh-TW" altLang="en-US" sz="5400" b="1" dirty="0">
-                <a:latin typeface="Microsoft JhengHei" panose="020B0604030504040204" pitchFamily="34" charset="-120"/>
-                <a:ea typeface="Microsoft JhengHei" panose="020B0604030504040204" pitchFamily="34" charset="-120"/>
-              </a:rPr>
-              <a:t>我謙卑跪下  在主足前</a:t>
-            </a:r>
-          </a:p>
-        </p:txBody>
-      </p:sp>
-      <p:sp>
-        <p:nvSpPr>
-          <p:cNvPr id="4" name="TextBox 3"/>
+              <a:t>因主是陶匠  我是泥土</a:t>
+            </a:r>
+          </a:p>
+        </p:txBody>
+      </p:sp>
+      <p:sp>
+        <p:nvSpPr>
+          <p:cNvPr id="3" name="TextBox 2"/>
           <p:cNvSpPr txBox="1"/>
           <p:nvPr/>
         </p:nvSpPr>
         <p:spPr>
           <a:xfrm>
-            <a:off x="1127448" y="1772816"/>
-            <a:ext cx="864096" cy="830997"/>
+            <a:off x="623392" y="2212307"/>
+            <a:ext cx="1248139" cy="1077218"/>
           </a:xfrm>
           <a:prstGeom prst="rect">
             <a:avLst/>
@@ -3475,21 +3384,25 @@
           <a:lstStyle/>
           <a:p>
             <a:r>
-              <a:rPr lang="en-US" sz="4800" b="1" dirty="0"/>
-              <a:t>2</a:t>
-            </a:r>
-            <a:r>
-              <a:rPr lang="en-US" sz="4800" b="1" dirty="0" smtClean="0"/>
-              <a:t>.</a:t>
-            </a:r>
-            <a:endParaRPr lang="vi-VN" sz="4800" b="1" dirty="0"/>
+              <a:rPr lang="en-US" sz="6400" b="1" dirty="0">
+                <a:solidFill>
+                  <a:srgbClr val="000066"/>
+                </a:solidFill>
+              </a:rPr>
+              <a:t>1.</a:t>
+            </a:r>
+            <a:endParaRPr lang="vi-VN" sz="6400" b="1" dirty="0">
+              <a:solidFill>
+                <a:srgbClr val="000066"/>
+              </a:solidFill>
+            </a:endParaRPr>
           </a:p>
         </p:txBody>
       </p:sp>
     </p:spTree>
     <p:extLst>
       <p:ext uri="{BB962C8B-B14F-4D97-AF65-F5344CB8AC3E}">
-        <p14:creationId xmlns:p14="http://schemas.microsoft.com/office/powerpoint/2010/main" val="285814047"/>
+        <p14:creationId xmlns:p14="http://schemas.microsoft.com/office/powerpoint/2010/main" val="2568945307"/>
       </p:ext>
     </p:extLst>
   </p:cSld>
@@ -3518,136 +3431,81 @@
       </p:grpSpPr>
       <p:sp>
         <p:nvSpPr>
-          <p:cNvPr id="2" name="Title 1"/>
-          <p:cNvSpPr>
-            <a:spLocks noGrp="1"/>
-          </p:cNvSpPr>
-          <p:nvPr>
-            <p:ph type="title"/>
-          </p:nvPr>
-        </p:nvSpPr>
-        <p:spPr/>
-        <p:txBody>
-          <a:bodyPr>
+          <p:cNvPr id="5" name="內容版面配置區 4"/>
+          <p:cNvSpPr>
+            <a:spLocks noGrp="1"/>
+          </p:cNvSpPr>
+          <p:nvPr>
+            <p:ph idx="1"/>
+          </p:nvPr>
+        </p:nvSpPr>
+        <p:spPr>
+          <a:xfrm>
+            <a:off x="0" y="2084851"/>
+            <a:ext cx="12192000" cy="2404863"/>
+          </a:xfrm>
+        </p:spPr>
+        <p:txBody>
+          <a:bodyPr anchor="ctr">
             <a:normAutofit/>
           </a:bodyPr>
           <a:lstStyle/>
           <a:p>
-            <a:r>
-              <a:rPr lang="zh-TW" altLang="en-US" sz="4800" b="1" dirty="0">
+            <a:pPr algn="ctr">
+              <a:buNone/>
+            </a:pPr>
+            <a:r>
+              <a:rPr lang="zh-TW" altLang="en-US" sz="6400" b="1" dirty="0">
+                <a:solidFill>
+                  <a:srgbClr val="000066"/>
+                </a:solidFill>
                 <a:latin typeface="Microsoft JhengHei" panose="020B0604030504040204" pitchFamily="34" charset="-120"/>
                 <a:ea typeface="Microsoft JhengHei" panose="020B0604030504040204" pitchFamily="34" charset="-120"/>
               </a:rPr>
-              <a:t>憑你意行</a:t>
-            </a:r>
-            <a:endParaRPr lang="vi-VN" sz="4800" b="1" dirty="0">
+              <a:t>陶我與造我  照主意旨</a:t>
+            </a:r>
+            <a:endParaRPr lang="en-US" altLang="zh-TW" sz="6400" b="1" dirty="0">
+              <a:solidFill>
+                <a:srgbClr val="000066"/>
+              </a:solidFill>
+              <a:latin typeface="Microsoft JhengHei" panose="020B0604030504040204" pitchFamily="34" charset="-120"/>
               <a:ea typeface="Microsoft JhengHei" panose="020B0604030504040204" pitchFamily="34" charset="-120"/>
             </a:endParaRPr>
           </a:p>
-        </p:txBody>
-      </p:sp>
-      <p:sp>
-        <p:nvSpPr>
-          <p:cNvPr id="3" name="Content Placeholder 2"/>
-          <p:cNvSpPr>
-            <a:spLocks noGrp="1"/>
-          </p:cNvSpPr>
-          <p:nvPr>
-            <p:ph idx="1"/>
-          </p:nvPr>
-        </p:nvSpPr>
-        <p:spPr/>
-        <p:txBody>
-          <a:bodyPr>
-            <a:normAutofit/>
-          </a:bodyPr>
-          <a:lstStyle/>
           <a:p>
             <a:pPr algn="ctr">
               <a:buNone/>
             </a:pPr>
             <a:r>
-              <a:rPr lang="zh-TW" altLang="en-US" sz="5400" b="1" dirty="0">
+              <a:rPr lang="zh-TW" altLang="en-US" sz="6400" b="1" dirty="0">
+                <a:solidFill>
+                  <a:srgbClr val="000066"/>
+                </a:solidFill>
                 <a:latin typeface="Microsoft JhengHei" panose="020B0604030504040204" pitchFamily="34" charset="-120"/>
                 <a:ea typeface="Microsoft JhengHei" panose="020B0604030504040204" pitchFamily="34" charset="-120"/>
               </a:rPr>
-              <a:t>憑你意行  主  憑你意行</a:t>
-            </a:r>
-            <a:endParaRPr lang="en-US" altLang="zh-TW" sz="5400" b="1" dirty="0">
+              <a:t>我在此等待  虔恭候主</a:t>
+            </a:r>
+            <a:endParaRPr lang="zh-TW" altLang="en-US" sz="6400" b="1" dirty="0">
+              <a:solidFill>
+                <a:srgbClr val="000066"/>
+              </a:solidFill>
               <a:latin typeface="Microsoft JhengHei" panose="020B0604030504040204" pitchFamily="34" charset="-120"/>
               <a:ea typeface="Microsoft JhengHei" panose="020B0604030504040204" pitchFamily="34" charset="-120"/>
             </a:endParaRPr>
           </a:p>
-          <a:p>
-            <a:pPr algn="ctr">
-              <a:buNone/>
-            </a:pPr>
-            <a:r>
-              <a:rPr lang="zh-TW" altLang="en-US" sz="5400" b="1" dirty="0">
-                <a:latin typeface="Microsoft JhengHei" panose="020B0604030504040204" pitchFamily="34" charset="-120"/>
-                <a:ea typeface="Microsoft JhengHei" panose="020B0604030504040204" pitchFamily="34" charset="-120"/>
-              </a:rPr>
-              <a:t>悲傷與疲倦  求主拯救</a:t>
-            </a:r>
-            <a:endParaRPr lang="en-US" altLang="zh-TW" sz="5400" b="1" dirty="0">
-              <a:latin typeface="Microsoft JhengHei" panose="020B0604030504040204" pitchFamily="34" charset="-120"/>
-              <a:ea typeface="Microsoft JhengHei" panose="020B0604030504040204" pitchFamily="34" charset="-120"/>
-            </a:endParaRPr>
-          </a:p>
-          <a:p>
-            <a:pPr algn="ctr">
-              <a:buNone/>
-            </a:pPr>
-            <a:r>
-              <a:rPr lang="zh-TW" altLang="en-US" sz="5400" b="1" dirty="0">
-                <a:latin typeface="Microsoft JhengHei" panose="020B0604030504040204" pitchFamily="34" charset="-120"/>
-                <a:ea typeface="Microsoft JhengHei" panose="020B0604030504040204" pitchFamily="34" charset="-120"/>
-              </a:rPr>
-              <a:t>權柄眾權柄  全屬我主</a:t>
-            </a:r>
-            <a:endParaRPr lang="en-US" altLang="zh-TW" sz="5400" b="1" dirty="0">
-              <a:latin typeface="Microsoft JhengHei" panose="020B0604030504040204" pitchFamily="34" charset="-120"/>
-              <a:ea typeface="Microsoft JhengHei" panose="020B0604030504040204" pitchFamily="34" charset="-120"/>
-            </a:endParaRPr>
-          </a:p>
-          <a:p>
-            <a:pPr algn="ctr">
-              <a:buNone/>
-            </a:pPr>
-            <a:r>
-              <a:rPr lang="zh-TW" altLang="en-US" sz="5400" b="1" dirty="0">
-                <a:latin typeface="Microsoft JhengHei" panose="020B0604030504040204" pitchFamily="34" charset="-120"/>
-                <a:ea typeface="Microsoft JhengHei" panose="020B0604030504040204" pitchFamily="34" charset="-120"/>
-              </a:rPr>
-              <a:t>撫</a:t>
-            </a:r>
-            <a:r>
-              <a:rPr lang="zh-CN" altLang="en-US" sz="5400" b="1" dirty="0">
-                <a:latin typeface="Microsoft JhengHei" panose="020B0604030504040204" pitchFamily="34" charset="-120"/>
-                <a:ea typeface="Microsoft JhengHei" panose="020B0604030504040204" pitchFamily="34" charset="-120"/>
-              </a:rPr>
-              <a:t>摩</a:t>
-            </a:r>
-            <a:r>
-              <a:rPr lang="zh-TW" altLang="en-US" sz="5400" b="1" dirty="0">
-                <a:latin typeface="Microsoft JhengHei" panose="020B0604030504040204" pitchFamily="34" charset="-120"/>
-                <a:ea typeface="Microsoft JhengHei" panose="020B0604030504040204" pitchFamily="34" charset="-120"/>
-              </a:rPr>
-              <a:t>並醫治  救主我神</a:t>
-            </a:r>
-          </a:p>
-        </p:txBody>
-      </p:sp>
-      <p:sp>
-        <p:nvSpPr>
-          <p:cNvPr id="4" name="TextBox 3"/>
+        </p:txBody>
+      </p:sp>
+      <p:sp>
+        <p:nvSpPr>
+          <p:cNvPr id="3" name="TextBox 2"/>
           <p:cNvSpPr txBox="1"/>
           <p:nvPr/>
         </p:nvSpPr>
         <p:spPr>
           <a:xfrm>
-            <a:off x="1127448" y="1772816"/>
-            <a:ext cx="864096" cy="830997"/>
+            <a:off x="623392" y="2212307"/>
+            <a:ext cx="1248139" cy="1077218"/>
           </a:xfrm>
           <a:prstGeom prst="rect">
             <a:avLst/>
@@ -3661,21 +3519,25 @@
           <a:lstStyle/>
           <a:p>
             <a:r>
-              <a:rPr lang="en-US" sz="4800" b="1" dirty="0"/>
-              <a:t>3</a:t>
-            </a:r>
-            <a:r>
-              <a:rPr lang="en-US" sz="4800" b="1" dirty="0" smtClean="0"/>
-              <a:t>.</a:t>
-            </a:r>
-            <a:endParaRPr lang="vi-VN" sz="4800" b="1" dirty="0"/>
+              <a:rPr lang="en-US" sz="6400" b="1" dirty="0">
+                <a:solidFill>
+                  <a:srgbClr val="000066"/>
+                </a:solidFill>
+              </a:rPr>
+              <a:t>1.</a:t>
+            </a:r>
+            <a:endParaRPr lang="vi-VN" sz="6400" b="1" dirty="0">
+              <a:solidFill>
+                <a:srgbClr val="000066"/>
+              </a:solidFill>
+            </a:endParaRPr>
           </a:p>
         </p:txBody>
       </p:sp>
     </p:spTree>
     <p:extLst>
       <p:ext uri="{BB962C8B-B14F-4D97-AF65-F5344CB8AC3E}">
-        <p14:creationId xmlns:p14="http://schemas.microsoft.com/office/powerpoint/2010/main" val="3634297467"/>
+        <p14:creationId xmlns:p14="http://schemas.microsoft.com/office/powerpoint/2010/main" val="189062975"/>
       </p:ext>
     </p:extLst>
   </p:cSld>
@@ -3704,62 +3566,43 @@
       </p:grpSpPr>
       <p:sp>
         <p:nvSpPr>
-          <p:cNvPr id="2" name="Title 1"/>
-          <p:cNvSpPr>
-            <a:spLocks noGrp="1"/>
-          </p:cNvSpPr>
-          <p:nvPr>
-            <p:ph type="title"/>
-          </p:nvPr>
-        </p:nvSpPr>
-        <p:spPr/>
-        <p:txBody>
-          <a:bodyPr>
+          <p:cNvPr id="5" name="內容版面配置區 4"/>
+          <p:cNvSpPr>
+            <a:spLocks noGrp="1"/>
+          </p:cNvSpPr>
+          <p:nvPr>
+            <p:ph idx="1"/>
+          </p:nvPr>
+        </p:nvSpPr>
+        <p:spPr>
+          <a:xfrm>
+            <a:off x="0" y="2084851"/>
+            <a:ext cx="12192000" cy="2404863"/>
+          </a:xfrm>
+        </p:spPr>
+        <p:txBody>
+          <a:bodyPr anchor="ctr">
             <a:normAutofit/>
           </a:bodyPr>
           <a:lstStyle/>
           <a:p>
-            <a:r>
-              <a:rPr lang="zh-TW" altLang="en-US" sz="4800" b="1" dirty="0">
-                <a:latin typeface="Microsoft JhengHei" panose="020B0604030504040204" pitchFamily="34" charset="-120"/>
-                <a:ea typeface="Microsoft JhengHei" panose="020B0604030504040204" pitchFamily="34" charset="-120"/>
-              </a:rPr>
-              <a:t>憑你意行</a:t>
-            </a:r>
-            <a:endParaRPr lang="vi-VN" sz="4800" b="1" dirty="0">
-              <a:ea typeface="Microsoft JhengHei" panose="020B0604030504040204" pitchFamily="34" charset="-120"/>
-            </a:endParaRPr>
-          </a:p>
-        </p:txBody>
-      </p:sp>
-      <p:sp>
-        <p:nvSpPr>
-          <p:cNvPr id="3" name="Content Placeholder 2"/>
-          <p:cNvSpPr>
-            <a:spLocks noGrp="1"/>
-          </p:cNvSpPr>
-          <p:nvPr>
-            <p:ph idx="1"/>
-          </p:nvPr>
-        </p:nvSpPr>
-        <p:spPr/>
-        <p:txBody>
-          <a:bodyPr>
-            <a:normAutofit/>
-          </a:bodyPr>
-          <a:lstStyle/>
-          <a:p>
             <a:pPr algn="ctr">
               <a:buNone/>
             </a:pPr>
             <a:r>
-              <a:rPr lang="zh-TW" altLang="en-US" sz="5400" b="1" dirty="0">
+              <a:rPr lang="zh-TW" altLang="en-US" sz="6400" b="1" dirty="0">
+                <a:solidFill>
+                  <a:srgbClr val="000066"/>
+                </a:solidFill>
                 <a:latin typeface="Microsoft JhengHei" panose="020B0604030504040204" pitchFamily="34" charset="-120"/>
                 <a:ea typeface="Microsoft JhengHei" panose="020B0604030504040204" pitchFamily="34" charset="-120"/>
               </a:rPr>
               <a:t>憑你意行  主  憑你意行</a:t>
             </a:r>
-            <a:endParaRPr lang="en-US" altLang="zh-TW" sz="5400" b="1" dirty="0">
+            <a:endParaRPr lang="en-US" altLang="zh-TW" sz="6400" b="1" dirty="0">
+              <a:solidFill>
+                <a:srgbClr val="000066"/>
+              </a:solidFill>
               <a:latin typeface="Microsoft JhengHei" panose="020B0604030504040204" pitchFamily="34" charset="-120"/>
               <a:ea typeface="Microsoft JhengHei" panose="020B0604030504040204" pitchFamily="34" charset="-120"/>
             </a:endParaRPr>
@@ -3769,64 +3612,35 @@
               <a:buNone/>
             </a:pPr>
             <a:r>
-              <a:rPr lang="zh-TW" altLang="en-US" sz="5400" b="1" dirty="0">
+              <a:rPr lang="zh-TW" altLang="en-US" sz="6400" b="1" dirty="0">
+                <a:solidFill>
+                  <a:srgbClr val="000066"/>
+                </a:solidFill>
                 <a:latin typeface="Microsoft JhengHei" panose="020B0604030504040204" pitchFamily="34" charset="-120"/>
                 <a:ea typeface="Microsoft JhengHei" panose="020B0604030504040204" pitchFamily="34" charset="-120"/>
               </a:rPr>
-              <a:t>管理我動作  全聽指揮</a:t>
-            </a:r>
-            <a:endParaRPr lang="en-US" altLang="zh-TW" sz="5400" b="1" dirty="0">
+              <a:t>鑒察試驗我  就在今天</a:t>
+            </a:r>
+            <a:endParaRPr lang="en-US" altLang="zh-TW" sz="6400" b="1" dirty="0">
+              <a:solidFill>
+                <a:srgbClr val="000066"/>
+              </a:solidFill>
               <a:latin typeface="Microsoft JhengHei" panose="020B0604030504040204" pitchFamily="34" charset="-120"/>
               <a:ea typeface="Microsoft JhengHei" panose="020B0604030504040204" pitchFamily="34" charset="-120"/>
             </a:endParaRPr>
           </a:p>
-          <a:p>
-            <a:pPr algn="ctr">
-              <a:buNone/>
-            </a:pPr>
-            <a:r>
-              <a:rPr lang="zh-TW" altLang="en-US" sz="5400" b="1" dirty="0">
-                <a:latin typeface="Microsoft JhengHei" panose="020B0604030504040204" pitchFamily="34" charset="-120"/>
-                <a:ea typeface="Microsoft JhengHei" panose="020B0604030504040204" pitchFamily="34" charset="-120"/>
-              </a:rPr>
-              <a:t>聖靈充滿我  顯然可見</a:t>
-            </a:r>
-            <a:endParaRPr lang="en-US" altLang="zh-TW" sz="5400" b="1" dirty="0">
-              <a:latin typeface="Microsoft JhengHei" panose="020B0604030504040204" pitchFamily="34" charset="-120"/>
-              <a:ea typeface="Microsoft JhengHei" panose="020B0604030504040204" pitchFamily="34" charset="-120"/>
-            </a:endParaRPr>
-          </a:p>
-          <a:p>
-            <a:pPr algn="ctr">
-              <a:buNone/>
-            </a:pPr>
-            <a:r>
-              <a:rPr lang="zh-CN" altLang="en-US" sz="5400" b="1" dirty="0">
-                <a:latin typeface="Microsoft JhengHei" panose="020B0604030504040204" pitchFamily="34" charset="-120"/>
-                <a:ea typeface="Microsoft JhengHei" panose="020B0604030504040204" pitchFamily="34" charset="-120"/>
-              </a:rPr>
-              <a:t>惟</a:t>
-            </a:r>
-            <a:r>
-              <a:rPr lang="zh-TW" altLang="en-US" sz="5400" b="1" dirty="0">
-                <a:latin typeface="Microsoft JhengHei" panose="020B0604030504040204" pitchFamily="34" charset="-120"/>
-                <a:ea typeface="Microsoft JhengHei" panose="020B0604030504040204" pitchFamily="34" charset="-120"/>
-              </a:rPr>
-              <a:t>獨有耶穌  居我心內</a:t>
-            </a:r>
-          </a:p>
-        </p:txBody>
-      </p:sp>
-      <p:sp>
-        <p:nvSpPr>
-          <p:cNvPr id="4" name="TextBox 3"/>
+        </p:txBody>
+      </p:sp>
+      <p:sp>
+        <p:nvSpPr>
+          <p:cNvPr id="3" name="TextBox 2"/>
           <p:cNvSpPr txBox="1"/>
           <p:nvPr/>
         </p:nvSpPr>
         <p:spPr>
           <a:xfrm>
-            <a:off x="1127448" y="1772816"/>
-            <a:ext cx="864096" cy="830997"/>
+            <a:off x="623392" y="2212307"/>
+            <a:ext cx="1248139" cy="1077218"/>
           </a:xfrm>
           <a:prstGeom prst="rect">
             <a:avLst/>
@@ -3840,21 +3654,730 @@
           <a:lstStyle/>
           <a:p>
             <a:r>
-              <a:rPr lang="en-US" sz="4800" b="1" dirty="0"/>
-              <a:t>4</a:t>
-            </a:r>
-            <a:r>
-              <a:rPr lang="en-US" sz="4800" b="1" dirty="0" smtClean="0"/>
-              <a:t>.</a:t>
-            </a:r>
-            <a:endParaRPr lang="vi-VN" sz="4800" b="1" dirty="0"/>
+              <a:rPr lang="en-US" sz="6400" b="1" dirty="0">
+                <a:solidFill>
+                  <a:srgbClr val="000066"/>
+                </a:solidFill>
+              </a:rPr>
+              <a:t>2.</a:t>
+            </a:r>
+            <a:endParaRPr lang="vi-VN" sz="6400" b="1" dirty="0">
+              <a:solidFill>
+                <a:srgbClr val="000066"/>
+              </a:solidFill>
+            </a:endParaRPr>
           </a:p>
         </p:txBody>
       </p:sp>
     </p:spTree>
     <p:extLst>
       <p:ext uri="{BB962C8B-B14F-4D97-AF65-F5344CB8AC3E}">
-        <p14:creationId xmlns:p14="http://schemas.microsoft.com/office/powerpoint/2010/main" val="1557864233"/>
+        <p14:creationId xmlns:p14="http://schemas.microsoft.com/office/powerpoint/2010/main" val="2439709940"/>
+      </p:ext>
+    </p:extLst>
+  </p:cSld>
+  <p:clrMapOvr>
+    <a:masterClrMapping/>
+  </p:clrMapOvr>
+</p:sld>
+</file>
+
+<file path=ppt/slides/slide5.xml><?xml version="1.0" encoding="utf-8"?>
+<p:sld xmlns:a="http://schemas.openxmlformats.org/drawingml/2006/main" xmlns:r="http://schemas.openxmlformats.org/officeDocument/2006/relationships" xmlns:p="http://schemas.openxmlformats.org/presentationml/2006/main">
+  <p:cSld>
+    <p:spTree>
+      <p:nvGrpSpPr>
+        <p:cNvPr id="1" name=""/>
+        <p:cNvGrpSpPr/>
+        <p:nvPr/>
+      </p:nvGrpSpPr>
+      <p:grpSpPr>
+        <a:xfrm>
+          <a:off x="0" y="0"/>
+          <a:ext cx="0" cy="0"/>
+          <a:chOff x="0" y="0"/>
+          <a:chExt cx="0" cy="0"/>
+        </a:xfrm>
+      </p:grpSpPr>
+      <p:sp>
+        <p:nvSpPr>
+          <p:cNvPr id="5" name="內容版面配置區 4"/>
+          <p:cNvSpPr>
+            <a:spLocks noGrp="1"/>
+          </p:cNvSpPr>
+          <p:nvPr>
+            <p:ph idx="1"/>
+          </p:nvPr>
+        </p:nvSpPr>
+        <p:spPr>
+          <a:xfrm>
+            <a:off x="0" y="2084851"/>
+            <a:ext cx="12192000" cy="2404863"/>
+          </a:xfrm>
+        </p:spPr>
+        <p:txBody>
+          <a:bodyPr anchor="ctr">
+            <a:normAutofit/>
+          </a:bodyPr>
+          <a:lstStyle/>
+          <a:p>
+            <a:pPr algn="ctr">
+              <a:buNone/>
+            </a:pPr>
+            <a:r>
+              <a:rPr lang="zh-TW" altLang="en-US" sz="6400" b="1" dirty="0">
+                <a:solidFill>
+                  <a:srgbClr val="000066"/>
+                </a:solidFill>
+                <a:latin typeface="Microsoft JhengHei" panose="020B0604030504040204" pitchFamily="34" charset="-120"/>
+                <a:ea typeface="Microsoft JhengHei" panose="020B0604030504040204" pitchFamily="34" charset="-120"/>
+              </a:rPr>
+              <a:t>求主洗潔我  皎白如雪</a:t>
+            </a:r>
+            <a:endParaRPr lang="en-US" altLang="zh-TW" sz="6400" b="1" dirty="0">
+              <a:solidFill>
+                <a:srgbClr val="000066"/>
+              </a:solidFill>
+              <a:latin typeface="Microsoft JhengHei" panose="020B0604030504040204" pitchFamily="34" charset="-120"/>
+              <a:ea typeface="Microsoft JhengHei" panose="020B0604030504040204" pitchFamily="34" charset="-120"/>
+            </a:endParaRPr>
+          </a:p>
+          <a:p>
+            <a:pPr algn="ctr">
+              <a:buNone/>
+            </a:pPr>
+            <a:r>
+              <a:rPr lang="zh-TW" altLang="en-US" sz="6400" b="1" dirty="0">
+                <a:solidFill>
+                  <a:srgbClr val="000066"/>
+                </a:solidFill>
+                <a:latin typeface="Microsoft JhengHei" panose="020B0604030504040204" pitchFamily="34" charset="-120"/>
+                <a:ea typeface="Microsoft JhengHei" panose="020B0604030504040204" pitchFamily="34" charset="-120"/>
+              </a:rPr>
+              <a:t>我謙卑跪下  在主足前</a:t>
+            </a:r>
+            <a:endParaRPr lang="zh-TW" altLang="en-US" sz="6400" b="1" dirty="0">
+              <a:solidFill>
+                <a:srgbClr val="000066"/>
+              </a:solidFill>
+              <a:latin typeface="Microsoft JhengHei" panose="020B0604030504040204" pitchFamily="34" charset="-120"/>
+              <a:ea typeface="Microsoft JhengHei" panose="020B0604030504040204" pitchFamily="34" charset="-120"/>
+            </a:endParaRPr>
+          </a:p>
+        </p:txBody>
+      </p:sp>
+      <p:sp>
+        <p:nvSpPr>
+          <p:cNvPr id="3" name="TextBox 2"/>
+          <p:cNvSpPr txBox="1"/>
+          <p:nvPr/>
+        </p:nvSpPr>
+        <p:spPr>
+          <a:xfrm>
+            <a:off x="623392" y="2212307"/>
+            <a:ext cx="1248139" cy="1077218"/>
+          </a:xfrm>
+          <a:prstGeom prst="rect">
+            <a:avLst/>
+          </a:prstGeom>
+          <a:noFill/>
+        </p:spPr>
+        <p:txBody>
+          <a:bodyPr wrap="square" rtlCol="0">
+            <a:spAutoFit/>
+          </a:bodyPr>
+          <a:lstStyle/>
+          <a:p>
+            <a:r>
+              <a:rPr lang="en-US" sz="6400" b="1" dirty="0">
+                <a:solidFill>
+                  <a:srgbClr val="000066"/>
+                </a:solidFill>
+              </a:rPr>
+              <a:t>2.</a:t>
+            </a:r>
+            <a:endParaRPr lang="vi-VN" sz="6400" b="1" dirty="0">
+              <a:solidFill>
+                <a:srgbClr val="000066"/>
+              </a:solidFill>
+            </a:endParaRPr>
+          </a:p>
+        </p:txBody>
+      </p:sp>
+    </p:spTree>
+    <p:extLst>
+      <p:ext uri="{BB962C8B-B14F-4D97-AF65-F5344CB8AC3E}">
+        <p14:creationId xmlns:p14="http://schemas.microsoft.com/office/powerpoint/2010/main" val="2064526872"/>
+      </p:ext>
+    </p:extLst>
+  </p:cSld>
+  <p:clrMapOvr>
+    <a:masterClrMapping/>
+  </p:clrMapOvr>
+</p:sld>
+</file>
+
+<file path=ppt/slides/slide6.xml><?xml version="1.0" encoding="utf-8"?>
+<p:sld xmlns:a="http://schemas.openxmlformats.org/drawingml/2006/main" xmlns:r="http://schemas.openxmlformats.org/officeDocument/2006/relationships" xmlns:p="http://schemas.openxmlformats.org/presentationml/2006/main">
+  <p:cSld>
+    <p:spTree>
+      <p:nvGrpSpPr>
+        <p:cNvPr id="1" name=""/>
+        <p:cNvGrpSpPr/>
+        <p:nvPr/>
+      </p:nvGrpSpPr>
+      <p:grpSpPr>
+        <a:xfrm>
+          <a:off x="0" y="0"/>
+          <a:ext cx="0" cy="0"/>
+          <a:chOff x="0" y="0"/>
+          <a:chExt cx="0" cy="0"/>
+        </a:xfrm>
+      </p:grpSpPr>
+      <p:sp>
+        <p:nvSpPr>
+          <p:cNvPr id="5" name="內容版面配置區 4"/>
+          <p:cNvSpPr>
+            <a:spLocks noGrp="1"/>
+          </p:cNvSpPr>
+          <p:nvPr>
+            <p:ph idx="1"/>
+          </p:nvPr>
+        </p:nvSpPr>
+        <p:spPr>
+          <a:xfrm>
+            <a:off x="0" y="2084851"/>
+            <a:ext cx="12192000" cy="2404863"/>
+          </a:xfrm>
+        </p:spPr>
+        <p:txBody>
+          <a:bodyPr anchor="ctr">
+            <a:normAutofit/>
+          </a:bodyPr>
+          <a:lstStyle/>
+          <a:p>
+            <a:pPr algn="ctr">
+              <a:buNone/>
+            </a:pPr>
+            <a:r>
+              <a:rPr lang="zh-TW" altLang="en-US" sz="6400" b="1" dirty="0">
+                <a:solidFill>
+                  <a:srgbClr val="000066"/>
+                </a:solidFill>
+                <a:latin typeface="Microsoft JhengHei" panose="020B0604030504040204" pitchFamily="34" charset="-120"/>
+                <a:ea typeface="Microsoft JhengHei" panose="020B0604030504040204" pitchFamily="34" charset="-120"/>
+              </a:rPr>
+              <a:t>憑你意行  主  憑你意行</a:t>
+            </a:r>
+            <a:endParaRPr lang="en-US" altLang="zh-TW" sz="6400" b="1" dirty="0">
+              <a:solidFill>
+                <a:srgbClr val="000066"/>
+              </a:solidFill>
+              <a:latin typeface="Microsoft JhengHei" panose="020B0604030504040204" pitchFamily="34" charset="-120"/>
+              <a:ea typeface="Microsoft JhengHei" panose="020B0604030504040204" pitchFamily="34" charset="-120"/>
+            </a:endParaRPr>
+          </a:p>
+          <a:p>
+            <a:pPr algn="ctr">
+              <a:buNone/>
+            </a:pPr>
+            <a:r>
+              <a:rPr lang="zh-TW" altLang="en-US" sz="6400" b="1" dirty="0">
+                <a:solidFill>
+                  <a:srgbClr val="000066"/>
+                </a:solidFill>
+                <a:latin typeface="Microsoft JhengHei" panose="020B0604030504040204" pitchFamily="34" charset="-120"/>
+                <a:ea typeface="Microsoft JhengHei" panose="020B0604030504040204" pitchFamily="34" charset="-120"/>
+              </a:rPr>
+              <a:t>悲傷與疲倦  求主拯救</a:t>
+            </a:r>
+            <a:endParaRPr lang="en-US" altLang="zh-TW" sz="6400" b="1" dirty="0">
+              <a:solidFill>
+                <a:srgbClr val="000066"/>
+              </a:solidFill>
+              <a:latin typeface="Microsoft JhengHei" panose="020B0604030504040204" pitchFamily="34" charset="-120"/>
+              <a:ea typeface="Microsoft JhengHei" panose="020B0604030504040204" pitchFamily="34" charset="-120"/>
+            </a:endParaRPr>
+          </a:p>
+        </p:txBody>
+      </p:sp>
+      <p:sp>
+        <p:nvSpPr>
+          <p:cNvPr id="3" name="TextBox 2"/>
+          <p:cNvSpPr txBox="1"/>
+          <p:nvPr/>
+        </p:nvSpPr>
+        <p:spPr>
+          <a:xfrm>
+            <a:off x="623392" y="2212307"/>
+            <a:ext cx="1248139" cy="1077218"/>
+          </a:xfrm>
+          <a:prstGeom prst="rect">
+            <a:avLst/>
+          </a:prstGeom>
+          <a:noFill/>
+        </p:spPr>
+        <p:txBody>
+          <a:bodyPr wrap="square" rtlCol="0">
+            <a:spAutoFit/>
+          </a:bodyPr>
+          <a:lstStyle/>
+          <a:p>
+            <a:r>
+              <a:rPr lang="en-US" sz="6400" b="1" dirty="0">
+                <a:solidFill>
+                  <a:srgbClr val="000066"/>
+                </a:solidFill>
+              </a:rPr>
+              <a:t>3.</a:t>
+            </a:r>
+            <a:endParaRPr lang="vi-VN" sz="6400" b="1" dirty="0">
+              <a:solidFill>
+                <a:srgbClr val="000066"/>
+              </a:solidFill>
+            </a:endParaRPr>
+          </a:p>
+        </p:txBody>
+      </p:sp>
+    </p:spTree>
+    <p:extLst>
+      <p:ext uri="{BB962C8B-B14F-4D97-AF65-F5344CB8AC3E}">
+        <p14:creationId xmlns:p14="http://schemas.microsoft.com/office/powerpoint/2010/main" val="1291882437"/>
+      </p:ext>
+    </p:extLst>
+  </p:cSld>
+  <p:clrMapOvr>
+    <a:masterClrMapping/>
+  </p:clrMapOvr>
+</p:sld>
+</file>
+
+<file path=ppt/slides/slide7.xml><?xml version="1.0" encoding="utf-8"?>
+<p:sld xmlns:a="http://schemas.openxmlformats.org/drawingml/2006/main" xmlns:r="http://schemas.openxmlformats.org/officeDocument/2006/relationships" xmlns:p="http://schemas.openxmlformats.org/presentationml/2006/main">
+  <p:cSld>
+    <p:spTree>
+      <p:nvGrpSpPr>
+        <p:cNvPr id="1" name=""/>
+        <p:cNvGrpSpPr/>
+        <p:nvPr/>
+      </p:nvGrpSpPr>
+      <p:grpSpPr>
+        <a:xfrm>
+          <a:off x="0" y="0"/>
+          <a:ext cx="0" cy="0"/>
+          <a:chOff x="0" y="0"/>
+          <a:chExt cx="0" cy="0"/>
+        </a:xfrm>
+      </p:grpSpPr>
+      <p:sp>
+        <p:nvSpPr>
+          <p:cNvPr id="5" name="內容版面配置區 4"/>
+          <p:cNvSpPr>
+            <a:spLocks noGrp="1"/>
+          </p:cNvSpPr>
+          <p:nvPr>
+            <p:ph idx="1"/>
+          </p:nvPr>
+        </p:nvSpPr>
+        <p:spPr>
+          <a:xfrm>
+            <a:off x="0" y="2084851"/>
+            <a:ext cx="12192000" cy="2404863"/>
+          </a:xfrm>
+        </p:spPr>
+        <p:txBody>
+          <a:bodyPr anchor="ctr">
+            <a:normAutofit/>
+          </a:bodyPr>
+          <a:lstStyle/>
+          <a:p>
+            <a:pPr algn="ctr">
+              <a:buNone/>
+            </a:pPr>
+            <a:r>
+              <a:rPr lang="zh-TW" altLang="en-US" sz="6400" b="1" dirty="0">
+                <a:solidFill>
+                  <a:srgbClr val="000066"/>
+                </a:solidFill>
+                <a:latin typeface="Microsoft JhengHei" panose="020B0604030504040204" pitchFamily="34" charset="-120"/>
+                <a:ea typeface="Microsoft JhengHei" panose="020B0604030504040204" pitchFamily="34" charset="-120"/>
+              </a:rPr>
+              <a:t>權柄眾權柄  全屬我主</a:t>
+            </a:r>
+            <a:endParaRPr lang="en-US" altLang="zh-TW" sz="6400" b="1" dirty="0">
+              <a:solidFill>
+                <a:srgbClr val="000066"/>
+              </a:solidFill>
+              <a:latin typeface="Microsoft JhengHei" panose="020B0604030504040204" pitchFamily="34" charset="-120"/>
+              <a:ea typeface="Microsoft JhengHei" panose="020B0604030504040204" pitchFamily="34" charset="-120"/>
+            </a:endParaRPr>
+          </a:p>
+          <a:p>
+            <a:pPr algn="ctr">
+              <a:buNone/>
+            </a:pPr>
+            <a:r>
+              <a:rPr lang="zh-TW" altLang="en-US" sz="6400" b="1" dirty="0">
+                <a:solidFill>
+                  <a:srgbClr val="000066"/>
+                </a:solidFill>
+                <a:latin typeface="Microsoft JhengHei" panose="020B0604030504040204" pitchFamily="34" charset="-120"/>
+                <a:ea typeface="Microsoft JhengHei" panose="020B0604030504040204" pitchFamily="34" charset="-120"/>
+              </a:rPr>
+              <a:t>撫</a:t>
+            </a:r>
+            <a:r>
+              <a:rPr lang="zh-CN" altLang="en-US" sz="6400" b="1" dirty="0">
+                <a:solidFill>
+                  <a:srgbClr val="000066"/>
+                </a:solidFill>
+                <a:latin typeface="Microsoft JhengHei" panose="020B0604030504040204" pitchFamily="34" charset="-120"/>
+                <a:ea typeface="Microsoft JhengHei" panose="020B0604030504040204" pitchFamily="34" charset="-120"/>
+              </a:rPr>
+              <a:t>摩</a:t>
+            </a:r>
+            <a:r>
+              <a:rPr lang="zh-TW" altLang="en-US" sz="6400" b="1" dirty="0">
+                <a:solidFill>
+                  <a:srgbClr val="000066"/>
+                </a:solidFill>
+                <a:latin typeface="Microsoft JhengHei" panose="020B0604030504040204" pitchFamily="34" charset="-120"/>
+                <a:ea typeface="Microsoft JhengHei" panose="020B0604030504040204" pitchFamily="34" charset="-120"/>
+              </a:rPr>
+              <a:t>並醫治  救主我神</a:t>
+            </a:r>
+            <a:endParaRPr lang="zh-TW" altLang="en-US" sz="6400" b="1" dirty="0">
+              <a:solidFill>
+                <a:srgbClr val="000066"/>
+              </a:solidFill>
+              <a:latin typeface="Microsoft JhengHei" panose="020B0604030504040204" pitchFamily="34" charset="-120"/>
+              <a:ea typeface="Microsoft JhengHei" panose="020B0604030504040204" pitchFamily="34" charset="-120"/>
+            </a:endParaRPr>
+          </a:p>
+        </p:txBody>
+      </p:sp>
+      <p:sp>
+        <p:nvSpPr>
+          <p:cNvPr id="3" name="TextBox 2"/>
+          <p:cNvSpPr txBox="1"/>
+          <p:nvPr/>
+        </p:nvSpPr>
+        <p:spPr>
+          <a:xfrm>
+            <a:off x="623392" y="2212307"/>
+            <a:ext cx="1248139" cy="1077218"/>
+          </a:xfrm>
+          <a:prstGeom prst="rect">
+            <a:avLst/>
+          </a:prstGeom>
+          <a:noFill/>
+        </p:spPr>
+        <p:txBody>
+          <a:bodyPr wrap="square" rtlCol="0">
+            <a:spAutoFit/>
+          </a:bodyPr>
+          <a:lstStyle/>
+          <a:p>
+            <a:r>
+              <a:rPr lang="en-US" sz="6400" b="1" dirty="0">
+                <a:solidFill>
+                  <a:srgbClr val="000066"/>
+                </a:solidFill>
+              </a:rPr>
+              <a:t>3.</a:t>
+            </a:r>
+            <a:endParaRPr lang="vi-VN" sz="6400" b="1" dirty="0">
+              <a:solidFill>
+                <a:srgbClr val="000066"/>
+              </a:solidFill>
+            </a:endParaRPr>
+          </a:p>
+        </p:txBody>
+      </p:sp>
+    </p:spTree>
+    <p:extLst>
+      <p:ext uri="{BB962C8B-B14F-4D97-AF65-F5344CB8AC3E}">
+        <p14:creationId xmlns:p14="http://schemas.microsoft.com/office/powerpoint/2010/main" val="3246237205"/>
+      </p:ext>
+    </p:extLst>
+  </p:cSld>
+  <p:clrMapOvr>
+    <a:masterClrMapping/>
+  </p:clrMapOvr>
+</p:sld>
+</file>
+
+<file path=ppt/slides/slide8.xml><?xml version="1.0" encoding="utf-8"?>
+<p:sld xmlns:a="http://schemas.openxmlformats.org/drawingml/2006/main" xmlns:r="http://schemas.openxmlformats.org/officeDocument/2006/relationships" xmlns:p="http://schemas.openxmlformats.org/presentationml/2006/main">
+  <p:cSld>
+    <p:spTree>
+      <p:nvGrpSpPr>
+        <p:cNvPr id="1" name=""/>
+        <p:cNvGrpSpPr/>
+        <p:nvPr/>
+      </p:nvGrpSpPr>
+      <p:grpSpPr>
+        <a:xfrm>
+          <a:off x="0" y="0"/>
+          <a:ext cx="0" cy="0"/>
+          <a:chOff x="0" y="0"/>
+          <a:chExt cx="0" cy="0"/>
+        </a:xfrm>
+      </p:grpSpPr>
+      <p:sp>
+        <p:nvSpPr>
+          <p:cNvPr id="5" name="內容版面配置區 4"/>
+          <p:cNvSpPr>
+            <a:spLocks noGrp="1"/>
+          </p:cNvSpPr>
+          <p:nvPr>
+            <p:ph idx="1"/>
+          </p:nvPr>
+        </p:nvSpPr>
+        <p:spPr>
+          <a:xfrm>
+            <a:off x="0" y="2084851"/>
+            <a:ext cx="12192000" cy="2404863"/>
+          </a:xfrm>
+        </p:spPr>
+        <p:txBody>
+          <a:bodyPr anchor="ctr">
+            <a:normAutofit/>
+          </a:bodyPr>
+          <a:lstStyle/>
+          <a:p>
+            <a:pPr algn="ctr">
+              <a:buNone/>
+            </a:pPr>
+            <a:r>
+              <a:rPr lang="zh-TW" altLang="en-US" sz="6400" b="1" dirty="0">
+                <a:solidFill>
+                  <a:srgbClr val="000066"/>
+                </a:solidFill>
+                <a:latin typeface="Microsoft JhengHei" panose="020B0604030504040204" pitchFamily="34" charset="-120"/>
+                <a:ea typeface="Microsoft JhengHei" panose="020B0604030504040204" pitchFamily="34" charset="-120"/>
+              </a:rPr>
+              <a:t>憑你意行  主  憑你意行</a:t>
+            </a:r>
+            <a:endParaRPr lang="en-US" altLang="zh-TW" sz="6400" b="1" dirty="0">
+              <a:solidFill>
+                <a:srgbClr val="000066"/>
+              </a:solidFill>
+              <a:latin typeface="Microsoft JhengHei" panose="020B0604030504040204" pitchFamily="34" charset="-120"/>
+              <a:ea typeface="Microsoft JhengHei" panose="020B0604030504040204" pitchFamily="34" charset="-120"/>
+            </a:endParaRPr>
+          </a:p>
+          <a:p>
+            <a:pPr algn="ctr">
+              <a:buNone/>
+            </a:pPr>
+            <a:r>
+              <a:rPr lang="zh-TW" altLang="en-US" sz="6400" b="1" dirty="0">
+                <a:solidFill>
+                  <a:srgbClr val="000066"/>
+                </a:solidFill>
+                <a:latin typeface="Microsoft JhengHei" panose="020B0604030504040204" pitchFamily="34" charset="-120"/>
+                <a:ea typeface="Microsoft JhengHei" panose="020B0604030504040204" pitchFamily="34" charset="-120"/>
+              </a:rPr>
+              <a:t>管理我動作  全聽指揮</a:t>
+            </a:r>
+            <a:endParaRPr lang="en-US" altLang="zh-TW" sz="6400" b="1" dirty="0">
+              <a:solidFill>
+                <a:srgbClr val="000066"/>
+              </a:solidFill>
+              <a:latin typeface="Microsoft JhengHei" panose="020B0604030504040204" pitchFamily="34" charset="-120"/>
+              <a:ea typeface="Microsoft JhengHei" panose="020B0604030504040204" pitchFamily="34" charset="-120"/>
+            </a:endParaRPr>
+          </a:p>
+        </p:txBody>
+      </p:sp>
+      <p:sp>
+        <p:nvSpPr>
+          <p:cNvPr id="3" name="TextBox 2"/>
+          <p:cNvSpPr txBox="1"/>
+          <p:nvPr/>
+        </p:nvSpPr>
+        <p:spPr>
+          <a:xfrm>
+            <a:off x="623392" y="2212307"/>
+            <a:ext cx="1248139" cy="1077218"/>
+          </a:xfrm>
+          <a:prstGeom prst="rect">
+            <a:avLst/>
+          </a:prstGeom>
+          <a:noFill/>
+        </p:spPr>
+        <p:txBody>
+          <a:bodyPr wrap="square" rtlCol="0">
+            <a:spAutoFit/>
+          </a:bodyPr>
+          <a:lstStyle/>
+          <a:p>
+            <a:r>
+              <a:rPr lang="en-US" sz="6400" b="1" dirty="0">
+                <a:solidFill>
+                  <a:srgbClr val="000066"/>
+                </a:solidFill>
+              </a:rPr>
+              <a:t>4.</a:t>
+            </a:r>
+            <a:endParaRPr lang="vi-VN" sz="6400" b="1" dirty="0">
+              <a:solidFill>
+                <a:srgbClr val="000066"/>
+              </a:solidFill>
+            </a:endParaRPr>
+          </a:p>
+        </p:txBody>
+      </p:sp>
+    </p:spTree>
+    <p:extLst>
+      <p:ext uri="{BB962C8B-B14F-4D97-AF65-F5344CB8AC3E}">
+        <p14:creationId xmlns:p14="http://schemas.microsoft.com/office/powerpoint/2010/main" val="4211724115"/>
+      </p:ext>
+    </p:extLst>
+  </p:cSld>
+  <p:clrMapOvr>
+    <a:masterClrMapping/>
+  </p:clrMapOvr>
+</p:sld>
+</file>
+
+<file path=ppt/slides/slide9.xml><?xml version="1.0" encoding="utf-8"?>
+<p:sld xmlns:a="http://schemas.openxmlformats.org/drawingml/2006/main" xmlns:r="http://schemas.openxmlformats.org/officeDocument/2006/relationships" xmlns:p="http://schemas.openxmlformats.org/presentationml/2006/main">
+  <p:cSld>
+    <p:spTree>
+      <p:nvGrpSpPr>
+        <p:cNvPr id="1" name=""/>
+        <p:cNvGrpSpPr/>
+        <p:nvPr/>
+      </p:nvGrpSpPr>
+      <p:grpSpPr>
+        <a:xfrm>
+          <a:off x="0" y="0"/>
+          <a:ext cx="0" cy="0"/>
+          <a:chOff x="0" y="0"/>
+          <a:chExt cx="0" cy="0"/>
+        </a:xfrm>
+      </p:grpSpPr>
+      <p:sp>
+        <p:nvSpPr>
+          <p:cNvPr id="5" name="內容版面配置區 4"/>
+          <p:cNvSpPr>
+            <a:spLocks noGrp="1"/>
+          </p:cNvSpPr>
+          <p:nvPr>
+            <p:ph idx="1"/>
+          </p:nvPr>
+        </p:nvSpPr>
+        <p:spPr>
+          <a:xfrm>
+            <a:off x="0" y="2084851"/>
+            <a:ext cx="12192000" cy="2404863"/>
+          </a:xfrm>
+        </p:spPr>
+        <p:txBody>
+          <a:bodyPr anchor="ctr">
+            <a:normAutofit/>
+          </a:bodyPr>
+          <a:lstStyle/>
+          <a:p>
+            <a:pPr algn="ctr">
+              <a:buNone/>
+            </a:pPr>
+            <a:r>
+              <a:rPr lang="zh-TW" altLang="en-US" sz="6400" b="1" dirty="0">
+                <a:solidFill>
+                  <a:srgbClr val="000066"/>
+                </a:solidFill>
+                <a:latin typeface="Microsoft JhengHei" panose="020B0604030504040204" pitchFamily="34" charset="-120"/>
+                <a:ea typeface="Microsoft JhengHei" panose="020B0604030504040204" pitchFamily="34" charset="-120"/>
+              </a:rPr>
+              <a:t>聖靈充滿我  顯然可見</a:t>
+            </a:r>
+            <a:endParaRPr lang="en-US" altLang="zh-TW" sz="6400" b="1" dirty="0">
+              <a:solidFill>
+                <a:srgbClr val="000066"/>
+              </a:solidFill>
+              <a:latin typeface="Microsoft JhengHei" panose="020B0604030504040204" pitchFamily="34" charset="-120"/>
+              <a:ea typeface="Microsoft JhengHei" panose="020B0604030504040204" pitchFamily="34" charset="-120"/>
+            </a:endParaRPr>
+          </a:p>
+          <a:p>
+            <a:pPr algn="ctr">
+              <a:buNone/>
+            </a:pPr>
+            <a:r>
+              <a:rPr lang="zh-CN" altLang="en-US" sz="6400" b="1" dirty="0">
+                <a:solidFill>
+                  <a:srgbClr val="000066"/>
+                </a:solidFill>
+                <a:latin typeface="Microsoft JhengHei" panose="020B0604030504040204" pitchFamily="34" charset="-120"/>
+                <a:ea typeface="Microsoft JhengHei" panose="020B0604030504040204" pitchFamily="34" charset="-120"/>
+              </a:rPr>
+              <a:t>惟</a:t>
+            </a:r>
+            <a:r>
+              <a:rPr lang="zh-TW" altLang="en-US" sz="6400" b="1" dirty="0">
+                <a:solidFill>
+                  <a:srgbClr val="000066"/>
+                </a:solidFill>
+                <a:latin typeface="Microsoft JhengHei" panose="020B0604030504040204" pitchFamily="34" charset="-120"/>
+                <a:ea typeface="Microsoft JhengHei" panose="020B0604030504040204" pitchFamily="34" charset="-120"/>
+              </a:rPr>
+              <a:t>獨有耶穌  居我心內</a:t>
+            </a:r>
+            <a:endParaRPr lang="zh-TW" altLang="en-US" sz="6400" b="1" dirty="0">
+              <a:solidFill>
+                <a:srgbClr val="000066"/>
+              </a:solidFill>
+              <a:latin typeface="Microsoft JhengHei" panose="020B0604030504040204" pitchFamily="34" charset="-120"/>
+              <a:ea typeface="Microsoft JhengHei" panose="020B0604030504040204" pitchFamily="34" charset="-120"/>
+            </a:endParaRPr>
+          </a:p>
+        </p:txBody>
+      </p:sp>
+      <p:sp>
+        <p:nvSpPr>
+          <p:cNvPr id="3" name="TextBox 2"/>
+          <p:cNvSpPr txBox="1"/>
+          <p:nvPr/>
+        </p:nvSpPr>
+        <p:spPr>
+          <a:xfrm>
+            <a:off x="623392" y="2212307"/>
+            <a:ext cx="1248139" cy="1077218"/>
+          </a:xfrm>
+          <a:prstGeom prst="rect">
+            <a:avLst/>
+          </a:prstGeom>
+          <a:noFill/>
+        </p:spPr>
+        <p:txBody>
+          <a:bodyPr wrap="square" rtlCol="0">
+            <a:spAutoFit/>
+          </a:bodyPr>
+          <a:lstStyle/>
+          <a:p>
+            <a:r>
+              <a:rPr lang="en-US" sz="6400" b="1" dirty="0">
+                <a:solidFill>
+                  <a:srgbClr val="000066"/>
+                </a:solidFill>
+              </a:rPr>
+              <a:t>4.</a:t>
+            </a:r>
+            <a:endParaRPr lang="vi-VN" sz="6400" b="1" dirty="0">
+              <a:solidFill>
+                <a:srgbClr val="000066"/>
+              </a:solidFill>
+            </a:endParaRPr>
+          </a:p>
+        </p:txBody>
+      </p:sp>
+    </p:spTree>
+    <p:extLst>
+      <p:ext uri="{BB962C8B-B14F-4D97-AF65-F5344CB8AC3E}">
+        <p14:creationId xmlns:p14="http://schemas.microsoft.com/office/powerpoint/2010/main" val="1036909342"/>
       </p:ext>
     </p:extLst>
   </p:cSld>

--- a/宣道詩/(宣道詩159)憑你意行.pptx
+++ b/宣道詩/(宣道詩159)憑你意行.pptx
@@ -312,7 +312,7 @@
           <a:p>
             <a:fld id="{5F61B72B-7FC3-4531-BDF9-745E58DBB0A3}" type="datetimeFigureOut">
               <a:rPr lang="zh-TW" altLang="en-US" smtClean="0"/>
-              <a:t>2020/10/30</a:t>
+              <a:t>2021/8/4</a:t>
             </a:fld>
             <a:endParaRPr lang="zh-TW" altLang="en-US"/>
           </a:p>
@@ -482,7 +482,7 @@
           <a:p>
             <a:fld id="{5F61B72B-7FC3-4531-BDF9-745E58DBB0A3}" type="datetimeFigureOut">
               <a:rPr lang="zh-TW" altLang="en-US" smtClean="0"/>
-              <a:t>2020/10/30</a:t>
+              <a:t>2021/8/4</a:t>
             </a:fld>
             <a:endParaRPr lang="zh-TW" altLang="en-US"/>
           </a:p>
@@ -662,7 +662,7 @@
           <a:p>
             <a:fld id="{5F61B72B-7FC3-4531-BDF9-745E58DBB0A3}" type="datetimeFigureOut">
               <a:rPr lang="zh-TW" altLang="en-US" smtClean="0"/>
-              <a:t>2020/10/30</a:t>
+              <a:t>2021/8/4</a:t>
             </a:fld>
             <a:endParaRPr lang="zh-TW" altLang="en-US"/>
           </a:p>
@@ -832,7 +832,7 @@
           <a:p>
             <a:fld id="{5F61B72B-7FC3-4531-BDF9-745E58DBB0A3}" type="datetimeFigureOut">
               <a:rPr lang="zh-TW" altLang="en-US" smtClean="0"/>
-              <a:t>2020/10/30</a:t>
+              <a:t>2021/8/4</a:t>
             </a:fld>
             <a:endParaRPr lang="zh-TW" altLang="en-US"/>
           </a:p>
@@ -1078,7 +1078,7 @@
           <a:p>
             <a:fld id="{5F61B72B-7FC3-4531-BDF9-745E58DBB0A3}" type="datetimeFigureOut">
               <a:rPr lang="zh-TW" altLang="en-US" smtClean="0"/>
-              <a:t>2020/10/30</a:t>
+              <a:t>2021/8/4</a:t>
             </a:fld>
             <a:endParaRPr lang="zh-TW" altLang="en-US"/>
           </a:p>
@@ -1366,7 +1366,7 @@
           <a:p>
             <a:fld id="{5F61B72B-7FC3-4531-BDF9-745E58DBB0A3}" type="datetimeFigureOut">
               <a:rPr lang="zh-TW" altLang="en-US" smtClean="0"/>
-              <a:t>2020/10/30</a:t>
+              <a:t>2021/8/4</a:t>
             </a:fld>
             <a:endParaRPr lang="zh-TW" altLang="en-US"/>
           </a:p>
@@ -1788,7 +1788,7 @@
           <a:p>
             <a:fld id="{5F61B72B-7FC3-4531-BDF9-745E58DBB0A3}" type="datetimeFigureOut">
               <a:rPr lang="zh-TW" altLang="en-US" smtClean="0"/>
-              <a:t>2020/10/30</a:t>
+              <a:t>2021/8/4</a:t>
             </a:fld>
             <a:endParaRPr lang="zh-TW" altLang="en-US"/>
           </a:p>
@@ -1906,7 +1906,7 @@
           <a:p>
             <a:fld id="{5F61B72B-7FC3-4531-BDF9-745E58DBB0A3}" type="datetimeFigureOut">
               <a:rPr lang="zh-TW" altLang="en-US" smtClean="0"/>
-              <a:t>2020/10/30</a:t>
+              <a:t>2021/8/4</a:t>
             </a:fld>
             <a:endParaRPr lang="zh-TW" altLang="en-US"/>
           </a:p>
@@ -2001,7 +2001,7 @@
           <a:p>
             <a:fld id="{5F61B72B-7FC3-4531-BDF9-745E58DBB0A3}" type="datetimeFigureOut">
               <a:rPr lang="zh-TW" altLang="en-US" smtClean="0"/>
-              <a:t>2020/10/30</a:t>
+              <a:t>2021/8/4</a:t>
             </a:fld>
             <a:endParaRPr lang="zh-TW" altLang="en-US"/>
           </a:p>
@@ -2278,7 +2278,7 @@
           <a:p>
             <a:fld id="{5F61B72B-7FC3-4531-BDF9-745E58DBB0A3}" type="datetimeFigureOut">
               <a:rPr lang="zh-TW" altLang="en-US" smtClean="0"/>
-              <a:t>2020/10/30</a:t>
+              <a:t>2021/8/4</a:t>
             </a:fld>
             <a:endParaRPr lang="zh-TW" altLang="en-US"/>
           </a:p>
@@ -2535,7 +2535,7 @@
           <a:p>
             <a:fld id="{5F61B72B-7FC3-4531-BDF9-745E58DBB0A3}" type="datetimeFigureOut">
               <a:rPr lang="zh-TW" altLang="en-US" smtClean="0"/>
-              <a:t>2020/10/30</a:t>
+              <a:t>2021/8/4</a:t>
             </a:fld>
             <a:endParaRPr lang="zh-TW" altLang="en-US"/>
           </a:p>
@@ -2753,7 +2753,7 @@
           <a:p>
             <a:fld id="{5F61B72B-7FC3-4531-BDF9-745E58DBB0A3}" type="datetimeFigureOut">
               <a:rPr lang="zh-TW" altLang="en-US" smtClean="0"/>
-              <a:t>2020/10/30</a:t>
+              <a:t>2021/8/4</a:t>
             </a:fld>
             <a:endParaRPr lang="zh-TW" altLang="en-US"/>
           </a:p>
@@ -3140,7 +3140,7 @@
         </p:nvSpPr>
         <p:spPr>
           <a:xfrm>
-            <a:off x="0" y="2857513"/>
+            <a:off x="0" y="2708920"/>
             <a:ext cx="12192000" cy="1143000"/>
           </a:xfrm>
         </p:spPr>
@@ -3232,24 +3232,7 @@
                 <a:latin typeface="微軟正黑體" pitchFamily="34" charset="-120"/>
                 <a:ea typeface="微軟正黑體" pitchFamily="34" charset="-120"/>
               </a:rPr>
-              <a:t>憑</a:t>
-            </a:r>
-            <a:r>
-              <a:rPr lang="zh-TW" altLang="en-US" sz="8000" b="1" dirty="0">
-                <a:solidFill>
-                  <a:srgbClr val="000066"/>
-                </a:solidFill>
-                <a:effectLst>
-                  <a:outerShdw blurRad="38100" dist="38100" dir="2700000" algn="tl">
-                    <a:srgbClr val="000000">
-                      <a:alpha val="43137"/>
-                    </a:srgbClr>
-                  </a:outerShdw>
-                </a:effectLst>
-                <a:latin typeface="微軟正黑體" pitchFamily="34" charset="-120"/>
-                <a:ea typeface="微軟正黑體" pitchFamily="34" charset="-120"/>
-              </a:rPr>
-              <a:t>你意行</a:t>
+              <a:t>憑你意行</a:t>
             </a:r>
           </a:p>
         </p:txBody>
@@ -3324,17 +3307,7 @@
                 <a:latin typeface="Microsoft JhengHei" panose="020B0604030504040204" pitchFamily="34" charset="-120"/>
                 <a:ea typeface="Microsoft JhengHei" panose="020B0604030504040204" pitchFamily="34" charset="-120"/>
               </a:rPr>
-              <a:t>憑</a:t>
-            </a:r>
-            <a:r>
-              <a:rPr lang="zh-TW" altLang="en-US" sz="6400" b="1" dirty="0">
-                <a:solidFill>
-                  <a:srgbClr val="000066"/>
-                </a:solidFill>
-                <a:latin typeface="Microsoft JhengHei" panose="020B0604030504040204" pitchFamily="34" charset="-120"/>
-                <a:ea typeface="Microsoft JhengHei" panose="020B0604030504040204" pitchFamily="34" charset="-120"/>
-              </a:rPr>
-              <a:t>你意行  主  憑你意行</a:t>
+              <a:t>憑你意行  主  憑你意行</a:t>
             </a:r>
             <a:endParaRPr lang="en-US" altLang="zh-TW" sz="6400" b="1" dirty="0">
               <a:solidFill>
@@ -3363,14 +3336,14 @@
       </p:sp>
       <p:sp>
         <p:nvSpPr>
-          <p:cNvPr id="3" name="TextBox 2"/>
+          <p:cNvPr id="4" name="TextBox 3"/>
           <p:cNvSpPr txBox="1"/>
           <p:nvPr/>
         </p:nvSpPr>
         <p:spPr>
           <a:xfrm>
-            <a:off x="623392" y="2212307"/>
-            <a:ext cx="1248139" cy="1077218"/>
+            <a:off x="0" y="5157194"/>
+            <a:ext cx="12192000" cy="707886"/>
           </a:xfrm>
           <a:prstGeom prst="rect">
             <a:avLst/>
@@ -3383,18 +3356,21 @@
           </a:bodyPr>
           <a:lstStyle/>
           <a:p>
-            <a:r>
-              <a:rPr lang="en-US" sz="6400" b="1" dirty="0">
+            <a:pPr algn="ctr"/>
+            <a:r>
+              <a:rPr lang="en-US" sz="4000" b="1" dirty="0">
                 <a:solidFill>
                   <a:srgbClr val="000066"/>
                 </a:solidFill>
+                <a:effectLst/>
               </a:rPr>
-              <a:t>1.</a:t>
-            </a:r>
-            <a:endParaRPr lang="vi-VN" sz="6400" b="1" dirty="0">
+              <a:t>( 1 )</a:t>
+            </a:r>
+            <a:endParaRPr lang="vi-VN" sz="4000" b="1" dirty="0">
               <a:solidFill>
                 <a:srgbClr val="000066"/>
               </a:solidFill>
+              <a:effectLst/>
             </a:endParaRPr>
           </a:p>
         </p:txBody>
@@ -3486,26 +3462,19 @@
               </a:rPr>
               <a:t>我在此等待  虔恭候主</a:t>
             </a:r>
-            <a:endParaRPr lang="zh-TW" altLang="en-US" sz="6400" b="1" dirty="0">
-              <a:solidFill>
-                <a:srgbClr val="000066"/>
-              </a:solidFill>
-              <a:latin typeface="Microsoft JhengHei" panose="020B0604030504040204" pitchFamily="34" charset="-120"/>
-              <a:ea typeface="Microsoft JhengHei" panose="020B0604030504040204" pitchFamily="34" charset="-120"/>
-            </a:endParaRPr>
-          </a:p>
-        </p:txBody>
-      </p:sp>
-      <p:sp>
-        <p:nvSpPr>
-          <p:cNvPr id="3" name="TextBox 2"/>
+          </a:p>
+        </p:txBody>
+      </p:sp>
+      <p:sp>
+        <p:nvSpPr>
+          <p:cNvPr id="4" name="TextBox 3"/>
           <p:cNvSpPr txBox="1"/>
           <p:nvPr/>
         </p:nvSpPr>
         <p:spPr>
           <a:xfrm>
-            <a:off x="623392" y="2212307"/>
-            <a:ext cx="1248139" cy="1077218"/>
+            <a:off x="0" y="5157194"/>
+            <a:ext cx="12192000" cy="707886"/>
           </a:xfrm>
           <a:prstGeom prst="rect">
             <a:avLst/>
@@ -3518,18 +3487,21 @@
           </a:bodyPr>
           <a:lstStyle/>
           <a:p>
-            <a:r>
-              <a:rPr lang="en-US" sz="6400" b="1" dirty="0">
+            <a:pPr algn="ctr"/>
+            <a:r>
+              <a:rPr lang="en-US" sz="4000" b="1" dirty="0">
                 <a:solidFill>
                   <a:srgbClr val="000066"/>
                 </a:solidFill>
+                <a:effectLst/>
               </a:rPr>
-              <a:t>1.</a:t>
-            </a:r>
-            <a:endParaRPr lang="vi-VN" sz="6400" b="1" dirty="0">
+              <a:t>( 1 )</a:t>
+            </a:r>
+            <a:endParaRPr lang="vi-VN" sz="4000" b="1" dirty="0">
               <a:solidFill>
                 <a:srgbClr val="000066"/>
               </a:solidFill>
+              <a:effectLst/>
             </a:endParaRPr>
           </a:p>
         </p:txBody>
@@ -3633,14 +3605,14 @@
       </p:sp>
       <p:sp>
         <p:nvSpPr>
-          <p:cNvPr id="3" name="TextBox 2"/>
+          <p:cNvPr id="4" name="TextBox 3"/>
           <p:cNvSpPr txBox="1"/>
           <p:nvPr/>
         </p:nvSpPr>
         <p:spPr>
           <a:xfrm>
-            <a:off x="623392" y="2212307"/>
-            <a:ext cx="1248139" cy="1077218"/>
+            <a:off x="0" y="5157194"/>
+            <a:ext cx="12192000" cy="707886"/>
           </a:xfrm>
           <a:prstGeom prst="rect">
             <a:avLst/>
@@ -3653,18 +3625,39 @@
           </a:bodyPr>
           <a:lstStyle/>
           <a:p>
-            <a:r>
-              <a:rPr lang="en-US" sz="6400" b="1" dirty="0">
+            <a:pPr algn="ctr"/>
+            <a:r>
+              <a:rPr lang="en-US" sz="4000" b="1" dirty="0">
                 <a:solidFill>
                   <a:srgbClr val="000066"/>
                 </a:solidFill>
+                <a:effectLst/>
               </a:rPr>
-              <a:t>2.</a:t>
-            </a:r>
-            <a:endParaRPr lang="vi-VN" sz="6400" b="1" dirty="0">
+              <a:t>( </a:t>
+            </a:r>
+            <a:r>
+              <a:rPr lang="en-US" sz="4000" b="1" dirty="0" smtClean="0">
+                <a:solidFill>
+                  <a:srgbClr val="000066"/>
+                </a:solidFill>
+                <a:effectLst/>
+              </a:rPr>
+              <a:t>2 </a:t>
+            </a:r>
+            <a:r>
+              <a:rPr lang="en-US" sz="4000" b="1" dirty="0">
+                <a:solidFill>
+                  <a:srgbClr val="000066"/>
+                </a:solidFill>
+                <a:effectLst/>
+              </a:rPr>
+              <a:t>)</a:t>
+            </a:r>
+            <a:endParaRPr lang="vi-VN" sz="4000" b="1" dirty="0">
               <a:solidFill>
                 <a:srgbClr val="000066"/>
               </a:solidFill>
+              <a:effectLst/>
             </a:endParaRPr>
           </a:p>
         </p:txBody>
@@ -3756,26 +3749,19 @@
               </a:rPr>
               <a:t>我謙卑跪下  在主足前</a:t>
             </a:r>
-            <a:endParaRPr lang="zh-TW" altLang="en-US" sz="6400" b="1" dirty="0">
-              <a:solidFill>
-                <a:srgbClr val="000066"/>
-              </a:solidFill>
-              <a:latin typeface="Microsoft JhengHei" panose="020B0604030504040204" pitchFamily="34" charset="-120"/>
-              <a:ea typeface="Microsoft JhengHei" panose="020B0604030504040204" pitchFamily="34" charset="-120"/>
-            </a:endParaRPr>
-          </a:p>
-        </p:txBody>
-      </p:sp>
-      <p:sp>
-        <p:nvSpPr>
-          <p:cNvPr id="3" name="TextBox 2"/>
+          </a:p>
+        </p:txBody>
+      </p:sp>
+      <p:sp>
+        <p:nvSpPr>
+          <p:cNvPr id="4" name="TextBox 3"/>
           <p:cNvSpPr txBox="1"/>
           <p:nvPr/>
         </p:nvSpPr>
         <p:spPr>
           <a:xfrm>
-            <a:off x="623392" y="2212307"/>
-            <a:ext cx="1248139" cy="1077218"/>
+            <a:off x="0" y="5157194"/>
+            <a:ext cx="12192000" cy="707886"/>
           </a:xfrm>
           <a:prstGeom prst="rect">
             <a:avLst/>
@@ -3788,18 +3774,39 @@
           </a:bodyPr>
           <a:lstStyle/>
           <a:p>
-            <a:r>
-              <a:rPr lang="en-US" sz="6400" b="1" dirty="0">
+            <a:pPr algn="ctr"/>
+            <a:r>
+              <a:rPr lang="en-US" sz="4000" b="1" dirty="0">
                 <a:solidFill>
                   <a:srgbClr val="000066"/>
                 </a:solidFill>
+                <a:effectLst/>
               </a:rPr>
-              <a:t>2.</a:t>
-            </a:r>
-            <a:endParaRPr lang="vi-VN" sz="6400" b="1" dirty="0">
+              <a:t>( </a:t>
+            </a:r>
+            <a:r>
+              <a:rPr lang="en-US" sz="4000" b="1" dirty="0" smtClean="0">
+                <a:solidFill>
+                  <a:srgbClr val="000066"/>
+                </a:solidFill>
+                <a:effectLst/>
+              </a:rPr>
+              <a:t>2 </a:t>
+            </a:r>
+            <a:r>
+              <a:rPr lang="en-US" sz="4000" b="1" dirty="0">
+                <a:solidFill>
+                  <a:srgbClr val="000066"/>
+                </a:solidFill>
+                <a:effectLst/>
+              </a:rPr>
+              <a:t>)</a:t>
+            </a:r>
+            <a:endParaRPr lang="vi-VN" sz="4000" b="1" dirty="0">
               <a:solidFill>
                 <a:srgbClr val="000066"/>
               </a:solidFill>
+              <a:effectLst/>
             </a:endParaRPr>
           </a:p>
         </p:txBody>
@@ -3903,14 +3910,14 @@
       </p:sp>
       <p:sp>
         <p:nvSpPr>
-          <p:cNvPr id="3" name="TextBox 2"/>
+          <p:cNvPr id="4" name="TextBox 3"/>
           <p:cNvSpPr txBox="1"/>
           <p:nvPr/>
         </p:nvSpPr>
         <p:spPr>
           <a:xfrm>
-            <a:off x="623392" y="2212307"/>
-            <a:ext cx="1248139" cy="1077218"/>
+            <a:off x="0" y="5157194"/>
+            <a:ext cx="12192000" cy="707886"/>
           </a:xfrm>
           <a:prstGeom prst="rect">
             <a:avLst/>
@@ -3923,18 +3930,39 @@
           </a:bodyPr>
           <a:lstStyle/>
           <a:p>
-            <a:r>
-              <a:rPr lang="en-US" sz="6400" b="1" dirty="0">
+            <a:pPr algn="ctr"/>
+            <a:r>
+              <a:rPr lang="en-US" sz="4000" b="1" dirty="0">
                 <a:solidFill>
                   <a:srgbClr val="000066"/>
                 </a:solidFill>
+                <a:effectLst/>
               </a:rPr>
-              <a:t>3.</a:t>
-            </a:r>
-            <a:endParaRPr lang="vi-VN" sz="6400" b="1" dirty="0">
+              <a:t>( </a:t>
+            </a:r>
+            <a:r>
+              <a:rPr lang="en-US" sz="4000" b="1" dirty="0" smtClean="0">
+                <a:solidFill>
+                  <a:srgbClr val="000066"/>
+                </a:solidFill>
+                <a:effectLst/>
+              </a:rPr>
+              <a:t>3 </a:t>
+            </a:r>
+            <a:r>
+              <a:rPr lang="en-US" sz="4000" b="1" dirty="0">
+                <a:solidFill>
+                  <a:srgbClr val="000066"/>
+                </a:solidFill>
+                <a:effectLst/>
+              </a:rPr>
+              <a:t>)</a:t>
+            </a:r>
+            <a:endParaRPr lang="vi-VN" sz="4000" b="1" dirty="0">
               <a:solidFill>
                 <a:srgbClr val="000066"/>
               </a:solidFill>
+              <a:effectLst/>
             </a:endParaRPr>
           </a:p>
         </p:txBody>
@@ -4046,26 +4074,19 @@
               </a:rPr>
               <a:t>並醫治  救主我神</a:t>
             </a:r>
-            <a:endParaRPr lang="zh-TW" altLang="en-US" sz="6400" b="1" dirty="0">
-              <a:solidFill>
-                <a:srgbClr val="000066"/>
-              </a:solidFill>
-              <a:latin typeface="Microsoft JhengHei" panose="020B0604030504040204" pitchFamily="34" charset="-120"/>
-              <a:ea typeface="Microsoft JhengHei" panose="020B0604030504040204" pitchFamily="34" charset="-120"/>
-            </a:endParaRPr>
-          </a:p>
-        </p:txBody>
-      </p:sp>
-      <p:sp>
-        <p:nvSpPr>
-          <p:cNvPr id="3" name="TextBox 2"/>
+          </a:p>
+        </p:txBody>
+      </p:sp>
+      <p:sp>
+        <p:nvSpPr>
+          <p:cNvPr id="4" name="TextBox 3"/>
           <p:cNvSpPr txBox="1"/>
           <p:nvPr/>
         </p:nvSpPr>
         <p:spPr>
           <a:xfrm>
-            <a:off x="623392" y="2212307"/>
-            <a:ext cx="1248139" cy="1077218"/>
+            <a:off x="0" y="5157194"/>
+            <a:ext cx="12192000" cy="707886"/>
           </a:xfrm>
           <a:prstGeom prst="rect">
             <a:avLst/>
@@ -4078,18 +4099,39 @@
           </a:bodyPr>
           <a:lstStyle/>
           <a:p>
-            <a:r>
-              <a:rPr lang="en-US" sz="6400" b="1" dirty="0">
+            <a:pPr algn="ctr"/>
+            <a:r>
+              <a:rPr lang="en-US" sz="4000" b="1" dirty="0">
                 <a:solidFill>
                   <a:srgbClr val="000066"/>
                 </a:solidFill>
+                <a:effectLst/>
               </a:rPr>
-              <a:t>3.</a:t>
-            </a:r>
-            <a:endParaRPr lang="vi-VN" sz="6400" b="1" dirty="0">
+              <a:t>( </a:t>
+            </a:r>
+            <a:r>
+              <a:rPr lang="en-US" sz="4000" b="1" dirty="0" smtClean="0">
+                <a:solidFill>
+                  <a:srgbClr val="000066"/>
+                </a:solidFill>
+                <a:effectLst/>
+              </a:rPr>
+              <a:t>3 </a:t>
+            </a:r>
+            <a:r>
+              <a:rPr lang="en-US" sz="4000" b="1" dirty="0">
+                <a:solidFill>
+                  <a:srgbClr val="000066"/>
+                </a:solidFill>
+                <a:effectLst/>
+              </a:rPr>
+              <a:t>)</a:t>
+            </a:r>
+            <a:endParaRPr lang="vi-VN" sz="4000" b="1" dirty="0">
               <a:solidFill>
                 <a:srgbClr val="000066"/>
               </a:solidFill>
+              <a:effectLst/>
             </a:endParaRPr>
           </a:p>
         </p:txBody>
@@ -4193,14 +4235,14 @@
       </p:sp>
       <p:sp>
         <p:nvSpPr>
-          <p:cNvPr id="3" name="TextBox 2"/>
+          <p:cNvPr id="4" name="TextBox 3"/>
           <p:cNvSpPr txBox="1"/>
           <p:nvPr/>
         </p:nvSpPr>
         <p:spPr>
           <a:xfrm>
-            <a:off x="623392" y="2212307"/>
-            <a:ext cx="1248139" cy="1077218"/>
+            <a:off x="0" y="5157194"/>
+            <a:ext cx="12192000" cy="707886"/>
           </a:xfrm>
           <a:prstGeom prst="rect">
             <a:avLst/>
@@ -4213,18 +4255,39 @@
           </a:bodyPr>
           <a:lstStyle/>
           <a:p>
-            <a:r>
-              <a:rPr lang="en-US" sz="6400" b="1" dirty="0">
+            <a:pPr algn="ctr"/>
+            <a:r>
+              <a:rPr lang="en-US" sz="4000" b="1" dirty="0">
                 <a:solidFill>
                   <a:srgbClr val="000066"/>
                 </a:solidFill>
+                <a:effectLst/>
               </a:rPr>
-              <a:t>4.</a:t>
-            </a:r>
-            <a:endParaRPr lang="vi-VN" sz="6400" b="1" dirty="0">
+              <a:t>( </a:t>
+            </a:r>
+            <a:r>
+              <a:rPr lang="en-US" sz="4000" b="1" dirty="0" smtClean="0">
+                <a:solidFill>
+                  <a:srgbClr val="000066"/>
+                </a:solidFill>
+                <a:effectLst/>
+              </a:rPr>
+              <a:t>4 </a:t>
+            </a:r>
+            <a:r>
+              <a:rPr lang="en-US" sz="4000" b="1" dirty="0">
+                <a:solidFill>
+                  <a:srgbClr val="000066"/>
+                </a:solidFill>
+                <a:effectLst/>
+              </a:rPr>
+              <a:t>)</a:t>
+            </a:r>
+            <a:endParaRPr lang="vi-VN" sz="4000" b="1" dirty="0">
               <a:solidFill>
                 <a:srgbClr val="000066"/>
               </a:solidFill>
+              <a:effectLst/>
             </a:endParaRPr>
           </a:p>
         </p:txBody>
@@ -4326,26 +4389,19 @@
               </a:rPr>
               <a:t>獨有耶穌  居我心內</a:t>
             </a:r>
-            <a:endParaRPr lang="zh-TW" altLang="en-US" sz="6400" b="1" dirty="0">
-              <a:solidFill>
-                <a:srgbClr val="000066"/>
-              </a:solidFill>
-              <a:latin typeface="Microsoft JhengHei" panose="020B0604030504040204" pitchFamily="34" charset="-120"/>
-              <a:ea typeface="Microsoft JhengHei" panose="020B0604030504040204" pitchFamily="34" charset="-120"/>
-            </a:endParaRPr>
-          </a:p>
-        </p:txBody>
-      </p:sp>
-      <p:sp>
-        <p:nvSpPr>
-          <p:cNvPr id="3" name="TextBox 2"/>
+          </a:p>
+        </p:txBody>
+      </p:sp>
+      <p:sp>
+        <p:nvSpPr>
+          <p:cNvPr id="4" name="TextBox 3"/>
           <p:cNvSpPr txBox="1"/>
           <p:nvPr/>
         </p:nvSpPr>
         <p:spPr>
           <a:xfrm>
-            <a:off x="623392" y="2212307"/>
-            <a:ext cx="1248139" cy="1077218"/>
+            <a:off x="0" y="5157194"/>
+            <a:ext cx="12192000" cy="707886"/>
           </a:xfrm>
           <a:prstGeom prst="rect">
             <a:avLst/>
@@ -4358,18 +4414,39 @@
           </a:bodyPr>
           <a:lstStyle/>
           <a:p>
-            <a:r>
-              <a:rPr lang="en-US" sz="6400" b="1" dirty="0">
+            <a:pPr algn="ctr"/>
+            <a:r>
+              <a:rPr lang="en-US" sz="4000" b="1" dirty="0">
                 <a:solidFill>
                   <a:srgbClr val="000066"/>
                 </a:solidFill>
+                <a:effectLst/>
               </a:rPr>
-              <a:t>4.</a:t>
-            </a:r>
-            <a:endParaRPr lang="vi-VN" sz="6400" b="1" dirty="0">
+              <a:t>( </a:t>
+            </a:r>
+            <a:r>
+              <a:rPr lang="en-US" sz="4000" b="1" dirty="0" smtClean="0">
+                <a:solidFill>
+                  <a:srgbClr val="000066"/>
+                </a:solidFill>
+                <a:effectLst/>
+              </a:rPr>
+              <a:t>4 </a:t>
+            </a:r>
+            <a:r>
+              <a:rPr lang="en-US" sz="4000" b="1" dirty="0">
+                <a:solidFill>
+                  <a:srgbClr val="000066"/>
+                </a:solidFill>
+                <a:effectLst/>
+              </a:rPr>
+              <a:t>)</a:t>
+            </a:r>
+            <a:endParaRPr lang="vi-VN" sz="4000" b="1" dirty="0">
               <a:solidFill>
                 <a:srgbClr val="000066"/>
               </a:solidFill>
+              <a:effectLst/>
             </a:endParaRPr>
           </a:p>
         </p:txBody>

--- a/宣道詩/(宣道詩159)憑你意行.pptx
+++ b/宣道詩/(宣道詩159)憑你意行.pptx
@@ -312,7 +312,7 @@
           <a:p>
             <a:fld id="{5F61B72B-7FC3-4531-BDF9-745E58DBB0A3}" type="datetimeFigureOut">
               <a:rPr lang="zh-TW" altLang="en-US" smtClean="0"/>
-              <a:t>2021/8/4</a:t>
+              <a:t>2022/6/9</a:t>
             </a:fld>
             <a:endParaRPr lang="zh-TW" altLang="en-US"/>
           </a:p>
@@ -482,7 +482,7 @@
           <a:p>
             <a:fld id="{5F61B72B-7FC3-4531-BDF9-745E58DBB0A3}" type="datetimeFigureOut">
               <a:rPr lang="zh-TW" altLang="en-US" smtClean="0"/>
-              <a:t>2021/8/4</a:t>
+              <a:t>2022/6/9</a:t>
             </a:fld>
             <a:endParaRPr lang="zh-TW" altLang="en-US"/>
           </a:p>
@@ -662,7 +662,7 @@
           <a:p>
             <a:fld id="{5F61B72B-7FC3-4531-BDF9-745E58DBB0A3}" type="datetimeFigureOut">
               <a:rPr lang="zh-TW" altLang="en-US" smtClean="0"/>
-              <a:t>2021/8/4</a:t>
+              <a:t>2022/6/9</a:t>
             </a:fld>
             <a:endParaRPr lang="zh-TW" altLang="en-US"/>
           </a:p>
@@ -832,7 +832,7 @@
           <a:p>
             <a:fld id="{5F61B72B-7FC3-4531-BDF9-745E58DBB0A3}" type="datetimeFigureOut">
               <a:rPr lang="zh-TW" altLang="en-US" smtClean="0"/>
-              <a:t>2021/8/4</a:t>
+              <a:t>2022/6/9</a:t>
             </a:fld>
             <a:endParaRPr lang="zh-TW" altLang="en-US"/>
           </a:p>
@@ -1078,7 +1078,7 @@
           <a:p>
             <a:fld id="{5F61B72B-7FC3-4531-BDF9-745E58DBB0A3}" type="datetimeFigureOut">
               <a:rPr lang="zh-TW" altLang="en-US" smtClean="0"/>
-              <a:t>2021/8/4</a:t>
+              <a:t>2022/6/9</a:t>
             </a:fld>
             <a:endParaRPr lang="zh-TW" altLang="en-US"/>
           </a:p>
@@ -1366,7 +1366,7 @@
           <a:p>
             <a:fld id="{5F61B72B-7FC3-4531-BDF9-745E58DBB0A3}" type="datetimeFigureOut">
               <a:rPr lang="zh-TW" altLang="en-US" smtClean="0"/>
-              <a:t>2021/8/4</a:t>
+              <a:t>2022/6/9</a:t>
             </a:fld>
             <a:endParaRPr lang="zh-TW" altLang="en-US"/>
           </a:p>
@@ -1788,7 +1788,7 @@
           <a:p>
             <a:fld id="{5F61B72B-7FC3-4531-BDF9-745E58DBB0A3}" type="datetimeFigureOut">
               <a:rPr lang="zh-TW" altLang="en-US" smtClean="0"/>
-              <a:t>2021/8/4</a:t>
+              <a:t>2022/6/9</a:t>
             </a:fld>
             <a:endParaRPr lang="zh-TW" altLang="en-US"/>
           </a:p>
@@ -1906,7 +1906,7 @@
           <a:p>
             <a:fld id="{5F61B72B-7FC3-4531-BDF9-745E58DBB0A3}" type="datetimeFigureOut">
               <a:rPr lang="zh-TW" altLang="en-US" smtClean="0"/>
-              <a:t>2021/8/4</a:t>
+              <a:t>2022/6/9</a:t>
             </a:fld>
             <a:endParaRPr lang="zh-TW" altLang="en-US"/>
           </a:p>
@@ -2001,7 +2001,7 @@
           <a:p>
             <a:fld id="{5F61B72B-7FC3-4531-BDF9-745E58DBB0A3}" type="datetimeFigureOut">
               <a:rPr lang="zh-TW" altLang="en-US" smtClean="0"/>
-              <a:t>2021/8/4</a:t>
+              <a:t>2022/6/9</a:t>
             </a:fld>
             <a:endParaRPr lang="zh-TW" altLang="en-US"/>
           </a:p>
@@ -2278,7 +2278,7 @@
           <a:p>
             <a:fld id="{5F61B72B-7FC3-4531-BDF9-745E58DBB0A3}" type="datetimeFigureOut">
               <a:rPr lang="zh-TW" altLang="en-US" smtClean="0"/>
-              <a:t>2021/8/4</a:t>
+              <a:t>2022/6/9</a:t>
             </a:fld>
             <a:endParaRPr lang="zh-TW" altLang="en-US"/>
           </a:p>
@@ -2535,7 +2535,7 @@
           <a:p>
             <a:fld id="{5F61B72B-7FC3-4531-BDF9-745E58DBB0A3}" type="datetimeFigureOut">
               <a:rPr lang="zh-TW" altLang="en-US" smtClean="0"/>
-              <a:t>2021/8/4</a:t>
+              <a:t>2022/6/9</a:t>
             </a:fld>
             <a:endParaRPr lang="zh-TW" altLang="en-US"/>
           </a:p>
@@ -2753,7 +2753,7 @@
           <a:p>
             <a:fld id="{5F61B72B-7FC3-4531-BDF9-745E58DBB0A3}" type="datetimeFigureOut">
               <a:rPr lang="zh-TW" altLang="en-US" smtClean="0"/>
-              <a:t>2021/8/4</a:t>
+              <a:t>2022/6/9</a:t>
             </a:fld>
             <a:endParaRPr lang="zh-TW" altLang="en-US"/>
           </a:p>
@@ -3218,7 +3218,7 @@
               </a:rPr>
             </a:br>
             <a:r>
-              <a:rPr lang="zh-TW" altLang="en-US" sz="8000" b="1" dirty="0">
+              <a:rPr lang="zh-TW" altLang="en-US" sz="8000" b="1" dirty="0" smtClean="0">
                 <a:solidFill>
                   <a:srgbClr val="000066"/>
                 </a:solidFill>
@@ -3232,7 +3232,58 @@
                 <a:latin typeface="微軟正黑體" pitchFamily="34" charset="-120"/>
                 <a:ea typeface="微軟正黑體" pitchFamily="34" charset="-120"/>
               </a:rPr>
-              <a:t>憑你意行</a:t>
+              <a:t>憑</a:t>
+            </a:r>
+            <a:r>
+              <a:rPr lang="zh-CN" altLang="en-US" sz="8000" b="1" smtClean="0">
+                <a:solidFill>
+                  <a:srgbClr val="000066"/>
+                </a:solidFill>
+                <a:effectLst>
+                  <a:outerShdw blurRad="38100" dist="38100" dir="2700000" algn="tl">
+                    <a:srgbClr val="000000">
+                      <a:alpha val="43137"/>
+                    </a:srgbClr>
+                  </a:outerShdw>
+                </a:effectLst>
+                <a:latin typeface="微軟正黑體" pitchFamily="34" charset="-120"/>
+                <a:ea typeface="微軟正黑體" pitchFamily="34" charset="-120"/>
+              </a:rPr>
+              <a:t>袮</a:t>
+            </a:r>
+            <a:r>
+              <a:rPr lang="zh-TW" altLang="en-US" sz="8000" b="1" smtClean="0">
+                <a:solidFill>
+                  <a:srgbClr val="000066"/>
+                </a:solidFill>
+                <a:effectLst>
+                  <a:outerShdw blurRad="38100" dist="38100" dir="2700000" algn="tl">
+                    <a:srgbClr val="000000">
+                      <a:alpha val="43137"/>
+                    </a:srgbClr>
+                  </a:outerShdw>
+                </a:effectLst>
+                <a:latin typeface="微軟正黑體" pitchFamily="34" charset="-120"/>
+                <a:ea typeface="微軟正黑體" pitchFamily="34" charset="-120"/>
+              </a:rPr>
+              <a:t>意</a:t>
+            </a:r>
+            <a:r>
+              <a:rPr lang="zh-TW" altLang="en-US" sz="8000" b="1" dirty="0">
+                <a:solidFill>
+                  <a:srgbClr val="000066"/>
+                </a:solidFill>
+                <a:effectLst>
+                  <a:outerShdw blurRad="38100" dist="38100" dir="2700000" algn="tl">
+                    <a:srgbClr val="000000">
+                      <a:alpha val="43137"/>
+                    </a:srgbClr>
+                  </a:outerShdw>
+                </a:effectLst>
+                <a:latin typeface="微軟正黑體" pitchFamily="34" charset="-120"/>
+                <a:ea typeface="微軟正黑體" pitchFamily="34" charset="-120"/>
+              </a:rPr>
+              <a:t>行</a:t>
             </a:r>
           </a:p>
         </p:txBody>
@@ -3300,14 +3351,84 @@
               <a:buNone/>
             </a:pPr>
             <a:r>
-              <a:rPr lang="zh-TW" altLang="en-US" sz="6400" b="1" dirty="0">
+              <a:rPr lang="zh-TW" altLang="en-US" sz="6400" b="1" dirty="0" smtClean="0">
                 <a:solidFill>
                   <a:srgbClr val="000066"/>
                 </a:solidFill>
                 <a:latin typeface="Microsoft JhengHei" panose="020B0604030504040204" pitchFamily="34" charset="-120"/>
                 <a:ea typeface="Microsoft JhengHei" panose="020B0604030504040204" pitchFamily="34" charset="-120"/>
               </a:rPr>
-              <a:t>憑你意行  主  憑你意行</a:t>
+              <a:t>憑</a:t>
+            </a:r>
+            <a:r>
+              <a:rPr lang="zh-CN" altLang="en-US" sz="6400" b="1" dirty="0" smtClean="0">
+                <a:solidFill>
+                  <a:srgbClr val="000066"/>
+                </a:solidFill>
+                <a:latin typeface="Microsoft JhengHei" panose="020B0604030504040204" pitchFamily="34" charset="-120"/>
+                <a:ea typeface="Microsoft JhengHei" panose="020B0604030504040204" pitchFamily="34" charset="-120"/>
+              </a:rPr>
+              <a:t>袮</a:t>
+            </a:r>
+            <a:r>
+              <a:rPr lang="zh-TW" altLang="en-US" sz="6400" b="1" dirty="0" smtClean="0">
+                <a:solidFill>
+                  <a:srgbClr val="000066"/>
+                </a:solidFill>
+                <a:latin typeface="Microsoft JhengHei" panose="020B0604030504040204" pitchFamily="34" charset="-120"/>
+                <a:ea typeface="Microsoft JhengHei" panose="020B0604030504040204" pitchFamily="34" charset="-120"/>
+              </a:rPr>
+              <a:t>意</a:t>
+            </a:r>
+            <a:r>
+              <a:rPr lang="zh-TW" altLang="en-US" sz="6400" b="1" dirty="0">
+                <a:solidFill>
+                  <a:srgbClr val="000066"/>
+                </a:solidFill>
+                <a:latin typeface="Microsoft JhengHei" panose="020B0604030504040204" pitchFamily="34" charset="-120"/>
+                <a:ea typeface="Microsoft JhengHei" panose="020B0604030504040204" pitchFamily="34" charset="-120"/>
+              </a:rPr>
+              <a:t>行  主  </a:t>
+            </a:r>
+            <a:r>
+              <a:rPr lang="zh-TW" altLang="en-US" sz="6400" b="1" dirty="0" smtClean="0">
+                <a:solidFill>
+                  <a:srgbClr val="000066"/>
+                </a:solidFill>
+                <a:latin typeface="Microsoft JhengHei" panose="020B0604030504040204" pitchFamily="34" charset="-120"/>
+                <a:ea typeface="Microsoft JhengHei" panose="020B0604030504040204" pitchFamily="34" charset="-120"/>
+              </a:rPr>
+              <a:t>憑</a:t>
+            </a:r>
+            <a:r>
+              <a:rPr lang="zh-CN" altLang="en-US" sz="6400" b="1" dirty="0">
+                <a:solidFill>
+                  <a:srgbClr val="000066"/>
+                </a:solidFill>
+                <a:latin typeface="Microsoft JhengHei" panose="020B0604030504040204" pitchFamily="34" charset="-120"/>
+                <a:ea typeface="Microsoft JhengHei" panose="020B0604030504040204" pitchFamily="34" charset="-120"/>
+              </a:rPr>
+              <a:t>袮</a:t>
+            </a:r>
+            <a:r>
+              <a:rPr lang="zh-TW" altLang="en-US" sz="6400" b="1" dirty="0" smtClean="0">
+                <a:solidFill>
+                  <a:srgbClr val="000066"/>
+                </a:solidFill>
+                <a:latin typeface="Microsoft JhengHei" panose="020B0604030504040204" pitchFamily="34" charset="-120"/>
+                <a:ea typeface="Microsoft JhengHei" panose="020B0604030504040204" pitchFamily="34" charset="-120"/>
+              </a:rPr>
+              <a:t>意</a:t>
+            </a:r>
+            <a:r>
+              <a:rPr lang="zh-TW" altLang="en-US" sz="6400" b="1" dirty="0">
+                <a:solidFill>
+                  <a:srgbClr val="000066"/>
+                </a:solidFill>
+                <a:latin typeface="Microsoft JhengHei" panose="020B0604030504040204" pitchFamily="34" charset="-120"/>
+                <a:ea typeface="Microsoft JhengHei" panose="020B0604030504040204" pitchFamily="34" charset="-120"/>
+              </a:rPr>
+              <a:t>行</a:t>
             </a:r>
             <a:endParaRPr lang="en-US" altLang="zh-TW" sz="6400" b="1" dirty="0">
               <a:solidFill>
@@ -3364,7 +3485,25 @@
                 </a:solidFill>
                 <a:effectLst/>
               </a:rPr>
-              <a:t>( 1 )</a:t>
+              <a:t>( </a:t>
+            </a:r>
+            <a:r>
+              <a:rPr lang="en-US" sz="4000" b="1" dirty="0" smtClean="0">
+                <a:solidFill>
+                  <a:srgbClr val="000066"/>
+                </a:solidFill>
+                <a:effectLst/>
+              </a:rPr>
+              <a:t>1 / 4 </a:t>
+            </a:r>
+            <a:r>
+              <a:rPr lang="en-US" sz="4000" b="1" dirty="0">
+                <a:solidFill>
+                  <a:srgbClr val="000066"/>
+                </a:solidFill>
+                <a:effectLst/>
+              </a:rPr>
+              <a:t>)</a:t>
             </a:r>
             <a:endParaRPr lang="vi-VN" sz="4000" b="1" dirty="0">
               <a:solidFill>
@@ -3493,15 +3632,13 @@
                 <a:solidFill>
                   <a:srgbClr val="000066"/>
                 </a:solidFill>
-                <a:effectLst/>
-              </a:rPr>
-              <a:t>( 1 )</a:t>
+              </a:rPr>
+              <a:t>( 1 / 4 )</a:t>
             </a:r>
             <a:endParaRPr lang="vi-VN" sz="4000" b="1" dirty="0">
               <a:solidFill>
                 <a:srgbClr val="000066"/>
               </a:solidFill>
-              <a:effectLst/>
             </a:endParaRPr>
           </a:p>
         </p:txBody>
@@ -3562,14 +3699,84 @@
               <a:buNone/>
             </a:pPr>
             <a:r>
-              <a:rPr lang="zh-TW" altLang="en-US" sz="6400" b="1" dirty="0">
+              <a:rPr lang="zh-TW" altLang="en-US" sz="6400" b="1" dirty="0" smtClean="0">
                 <a:solidFill>
                   <a:srgbClr val="000066"/>
                 </a:solidFill>
                 <a:latin typeface="Microsoft JhengHei" panose="020B0604030504040204" pitchFamily="34" charset="-120"/>
                 <a:ea typeface="Microsoft JhengHei" panose="020B0604030504040204" pitchFamily="34" charset="-120"/>
               </a:rPr>
-              <a:t>憑你意行  主  憑你意行</a:t>
+              <a:t>憑</a:t>
+            </a:r>
+            <a:r>
+              <a:rPr lang="zh-CN" altLang="en-US" sz="6400" b="1" dirty="0">
+                <a:solidFill>
+                  <a:srgbClr val="000066"/>
+                </a:solidFill>
+                <a:latin typeface="Microsoft JhengHei" panose="020B0604030504040204" pitchFamily="34" charset="-120"/>
+                <a:ea typeface="Microsoft JhengHei" panose="020B0604030504040204" pitchFamily="34" charset="-120"/>
+              </a:rPr>
+              <a:t>袮</a:t>
+            </a:r>
+            <a:r>
+              <a:rPr lang="zh-TW" altLang="en-US" sz="6400" b="1" dirty="0" smtClean="0">
+                <a:solidFill>
+                  <a:srgbClr val="000066"/>
+                </a:solidFill>
+                <a:latin typeface="Microsoft JhengHei" panose="020B0604030504040204" pitchFamily="34" charset="-120"/>
+                <a:ea typeface="Microsoft JhengHei" panose="020B0604030504040204" pitchFamily="34" charset="-120"/>
+              </a:rPr>
+              <a:t>意</a:t>
+            </a:r>
+            <a:r>
+              <a:rPr lang="zh-TW" altLang="en-US" sz="6400" b="1" dirty="0">
+                <a:solidFill>
+                  <a:srgbClr val="000066"/>
+                </a:solidFill>
+                <a:latin typeface="Microsoft JhengHei" panose="020B0604030504040204" pitchFamily="34" charset="-120"/>
+                <a:ea typeface="Microsoft JhengHei" panose="020B0604030504040204" pitchFamily="34" charset="-120"/>
+              </a:rPr>
+              <a:t>行  主  </a:t>
+            </a:r>
+            <a:r>
+              <a:rPr lang="zh-TW" altLang="en-US" sz="6400" b="1" dirty="0" smtClean="0">
+                <a:solidFill>
+                  <a:srgbClr val="000066"/>
+                </a:solidFill>
+                <a:latin typeface="Microsoft JhengHei" panose="020B0604030504040204" pitchFamily="34" charset="-120"/>
+                <a:ea typeface="Microsoft JhengHei" panose="020B0604030504040204" pitchFamily="34" charset="-120"/>
+              </a:rPr>
+              <a:t>憑</a:t>
+            </a:r>
+            <a:r>
+              <a:rPr lang="zh-CN" altLang="en-US" sz="6400" b="1" dirty="0">
+                <a:solidFill>
+                  <a:srgbClr val="000066"/>
+                </a:solidFill>
+                <a:latin typeface="Microsoft JhengHei" panose="020B0604030504040204" pitchFamily="34" charset="-120"/>
+                <a:ea typeface="Microsoft JhengHei" panose="020B0604030504040204" pitchFamily="34" charset="-120"/>
+              </a:rPr>
+              <a:t>袮</a:t>
+            </a:r>
+            <a:r>
+              <a:rPr lang="zh-TW" altLang="en-US" sz="6400" b="1" dirty="0" smtClean="0">
+                <a:solidFill>
+                  <a:srgbClr val="000066"/>
+                </a:solidFill>
+                <a:latin typeface="Microsoft JhengHei" panose="020B0604030504040204" pitchFamily="34" charset="-120"/>
+                <a:ea typeface="Microsoft JhengHei" panose="020B0604030504040204" pitchFamily="34" charset="-120"/>
+              </a:rPr>
+              <a:t>意</a:t>
+            </a:r>
+            <a:r>
+              <a:rPr lang="zh-TW" altLang="en-US" sz="6400" b="1" dirty="0">
+                <a:solidFill>
+                  <a:srgbClr val="000066"/>
+                </a:solidFill>
+                <a:latin typeface="Microsoft JhengHei" panose="020B0604030504040204" pitchFamily="34" charset="-120"/>
+                <a:ea typeface="Microsoft JhengHei" panose="020B0604030504040204" pitchFamily="34" charset="-120"/>
+              </a:rPr>
+              <a:t>行</a:t>
             </a:r>
             <a:endParaRPr lang="en-US" altLang="zh-TW" sz="6400" b="1" dirty="0">
               <a:solidFill>
@@ -3631,7 +3838,6 @@
                 <a:solidFill>
                   <a:srgbClr val="000066"/>
                 </a:solidFill>
-                <a:effectLst/>
               </a:rPr>
               <a:t>( </a:t>
             </a:r>
@@ -3640,7 +3846,6 @@
                 <a:solidFill>
                   <a:srgbClr val="000066"/>
                 </a:solidFill>
-                <a:effectLst/>
               </a:rPr>
               <a:t>2 </a:t>
             </a:r>
@@ -3649,15 +3854,13 @@
                 <a:solidFill>
                   <a:srgbClr val="000066"/>
                 </a:solidFill>
-                <a:effectLst/>
-              </a:rPr>
-              <a:t>)</a:t>
+              </a:rPr>
+              <a:t>/ 4 )</a:t>
             </a:r>
             <a:endParaRPr lang="vi-VN" sz="4000" b="1" dirty="0">
               <a:solidFill>
                 <a:srgbClr val="000066"/>
               </a:solidFill>
-              <a:effectLst/>
             </a:endParaRPr>
           </a:p>
         </p:txBody>
@@ -3780,33 +3983,13 @@
                 <a:solidFill>
                   <a:srgbClr val="000066"/>
                 </a:solidFill>
-                <a:effectLst/>
-              </a:rPr>
-              <a:t>( </a:t>
-            </a:r>
-            <a:r>
-              <a:rPr lang="en-US" sz="4000" b="1" dirty="0" smtClean="0">
-                <a:solidFill>
-                  <a:srgbClr val="000066"/>
-                </a:solidFill>
-                <a:effectLst/>
-              </a:rPr>
-              <a:t>2 </a:t>
-            </a:r>
-            <a:r>
-              <a:rPr lang="en-US" sz="4000" b="1" dirty="0">
-                <a:solidFill>
-                  <a:srgbClr val="000066"/>
-                </a:solidFill>
-                <a:effectLst/>
-              </a:rPr>
-              <a:t>)</a:t>
+              </a:rPr>
+              <a:t>( 2 / 4 )</a:t>
             </a:r>
             <a:endParaRPr lang="vi-VN" sz="4000" b="1" dirty="0">
               <a:solidFill>
                 <a:srgbClr val="000066"/>
               </a:solidFill>
-              <a:effectLst/>
             </a:endParaRPr>
           </a:p>
         </p:txBody>
@@ -3867,14 +4050,84 @@
               <a:buNone/>
             </a:pPr>
             <a:r>
-              <a:rPr lang="zh-TW" altLang="en-US" sz="6400" b="1" dirty="0">
+              <a:rPr lang="zh-TW" altLang="en-US" sz="6400" b="1" dirty="0" smtClean="0">
                 <a:solidFill>
                   <a:srgbClr val="000066"/>
                 </a:solidFill>
                 <a:latin typeface="Microsoft JhengHei" panose="020B0604030504040204" pitchFamily="34" charset="-120"/>
                 <a:ea typeface="Microsoft JhengHei" panose="020B0604030504040204" pitchFamily="34" charset="-120"/>
               </a:rPr>
-              <a:t>憑你意行  主  憑你意行</a:t>
+              <a:t>憑</a:t>
+            </a:r>
+            <a:r>
+              <a:rPr lang="zh-CN" altLang="en-US" sz="6400" b="1" dirty="0">
+                <a:solidFill>
+                  <a:srgbClr val="000066"/>
+                </a:solidFill>
+                <a:latin typeface="Microsoft JhengHei" panose="020B0604030504040204" pitchFamily="34" charset="-120"/>
+                <a:ea typeface="Microsoft JhengHei" panose="020B0604030504040204" pitchFamily="34" charset="-120"/>
+              </a:rPr>
+              <a:t>袮</a:t>
+            </a:r>
+            <a:r>
+              <a:rPr lang="zh-TW" altLang="en-US" sz="6400" b="1" dirty="0" smtClean="0">
+                <a:solidFill>
+                  <a:srgbClr val="000066"/>
+                </a:solidFill>
+                <a:latin typeface="Microsoft JhengHei" panose="020B0604030504040204" pitchFamily="34" charset="-120"/>
+                <a:ea typeface="Microsoft JhengHei" panose="020B0604030504040204" pitchFamily="34" charset="-120"/>
+              </a:rPr>
+              <a:t>意</a:t>
+            </a:r>
+            <a:r>
+              <a:rPr lang="zh-TW" altLang="en-US" sz="6400" b="1" dirty="0">
+                <a:solidFill>
+                  <a:srgbClr val="000066"/>
+                </a:solidFill>
+                <a:latin typeface="Microsoft JhengHei" panose="020B0604030504040204" pitchFamily="34" charset="-120"/>
+                <a:ea typeface="Microsoft JhengHei" panose="020B0604030504040204" pitchFamily="34" charset="-120"/>
+              </a:rPr>
+              <a:t>行  主  </a:t>
+            </a:r>
+            <a:r>
+              <a:rPr lang="zh-TW" altLang="en-US" sz="6400" b="1" dirty="0" smtClean="0">
+                <a:solidFill>
+                  <a:srgbClr val="000066"/>
+                </a:solidFill>
+                <a:latin typeface="Microsoft JhengHei" panose="020B0604030504040204" pitchFamily="34" charset="-120"/>
+                <a:ea typeface="Microsoft JhengHei" panose="020B0604030504040204" pitchFamily="34" charset="-120"/>
+              </a:rPr>
+              <a:t>憑</a:t>
+            </a:r>
+            <a:r>
+              <a:rPr lang="zh-CN" altLang="en-US" sz="6400" b="1" dirty="0">
+                <a:solidFill>
+                  <a:srgbClr val="000066"/>
+                </a:solidFill>
+                <a:latin typeface="Microsoft JhengHei" panose="020B0604030504040204" pitchFamily="34" charset="-120"/>
+                <a:ea typeface="Microsoft JhengHei" panose="020B0604030504040204" pitchFamily="34" charset="-120"/>
+              </a:rPr>
+              <a:t>袮</a:t>
+            </a:r>
+            <a:r>
+              <a:rPr lang="zh-TW" altLang="en-US" sz="6400" b="1" dirty="0" smtClean="0">
+                <a:solidFill>
+                  <a:srgbClr val="000066"/>
+                </a:solidFill>
+                <a:latin typeface="Microsoft JhengHei" panose="020B0604030504040204" pitchFamily="34" charset="-120"/>
+                <a:ea typeface="Microsoft JhengHei" panose="020B0604030504040204" pitchFamily="34" charset="-120"/>
+              </a:rPr>
+              <a:t>意</a:t>
+            </a:r>
+            <a:r>
+              <a:rPr lang="zh-TW" altLang="en-US" sz="6400" b="1" dirty="0">
+                <a:solidFill>
+                  <a:srgbClr val="000066"/>
+                </a:solidFill>
+                <a:latin typeface="Microsoft JhengHei" panose="020B0604030504040204" pitchFamily="34" charset="-120"/>
+                <a:ea typeface="Microsoft JhengHei" panose="020B0604030504040204" pitchFamily="34" charset="-120"/>
+              </a:rPr>
+              <a:t>行</a:t>
             </a:r>
             <a:endParaRPr lang="en-US" altLang="zh-TW" sz="6400" b="1" dirty="0">
               <a:solidFill>
@@ -3936,7 +4189,6 @@
                 <a:solidFill>
                   <a:srgbClr val="000066"/>
                 </a:solidFill>
-                <a:effectLst/>
               </a:rPr>
               <a:t>( </a:t>
             </a:r>
@@ -3945,7 +4197,6 @@
                 <a:solidFill>
                   <a:srgbClr val="000066"/>
                 </a:solidFill>
-                <a:effectLst/>
               </a:rPr>
               <a:t>3 </a:t>
             </a:r>
@@ -3954,15 +4205,13 @@
                 <a:solidFill>
                   <a:srgbClr val="000066"/>
                 </a:solidFill>
-                <a:effectLst/>
-              </a:rPr>
-              <a:t>)</a:t>
+              </a:rPr>
+              <a:t>/ 4 )</a:t>
             </a:r>
             <a:endParaRPr lang="vi-VN" sz="4000" b="1" dirty="0">
               <a:solidFill>
                 <a:srgbClr val="000066"/>
               </a:solidFill>
-              <a:effectLst/>
             </a:endParaRPr>
           </a:p>
         </p:txBody>
@@ -4105,33 +4354,13 @@
                 <a:solidFill>
                   <a:srgbClr val="000066"/>
                 </a:solidFill>
-                <a:effectLst/>
-              </a:rPr>
-              <a:t>( </a:t>
-            </a:r>
-            <a:r>
-              <a:rPr lang="en-US" sz="4000" b="1" dirty="0" smtClean="0">
-                <a:solidFill>
-                  <a:srgbClr val="000066"/>
-                </a:solidFill>
-                <a:effectLst/>
-              </a:rPr>
-              <a:t>3 </a:t>
-            </a:r>
-            <a:r>
-              <a:rPr lang="en-US" sz="4000" b="1" dirty="0">
-                <a:solidFill>
-                  <a:srgbClr val="000066"/>
-                </a:solidFill>
-                <a:effectLst/>
-              </a:rPr>
-              <a:t>)</a:t>
+              </a:rPr>
+              <a:t>( 3 / 4 )</a:t>
             </a:r>
             <a:endParaRPr lang="vi-VN" sz="4000" b="1" dirty="0">
               <a:solidFill>
                 <a:srgbClr val="000066"/>
               </a:solidFill>
-              <a:effectLst/>
             </a:endParaRPr>
           </a:p>
         </p:txBody>
@@ -4192,14 +4421,84 @@
               <a:buNone/>
             </a:pPr>
             <a:r>
-              <a:rPr lang="zh-TW" altLang="en-US" sz="6400" b="1" dirty="0">
+              <a:rPr lang="zh-TW" altLang="en-US" sz="6400" b="1" dirty="0" smtClean="0">
                 <a:solidFill>
                   <a:srgbClr val="000066"/>
                 </a:solidFill>
                 <a:latin typeface="Microsoft JhengHei" panose="020B0604030504040204" pitchFamily="34" charset="-120"/>
                 <a:ea typeface="Microsoft JhengHei" panose="020B0604030504040204" pitchFamily="34" charset="-120"/>
               </a:rPr>
-              <a:t>憑你意行  主  憑你意行</a:t>
+              <a:t>憑</a:t>
+            </a:r>
+            <a:r>
+              <a:rPr lang="zh-CN" altLang="en-US" sz="6400" b="1" dirty="0">
+                <a:solidFill>
+                  <a:srgbClr val="000066"/>
+                </a:solidFill>
+                <a:latin typeface="Microsoft JhengHei" panose="020B0604030504040204" pitchFamily="34" charset="-120"/>
+                <a:ea typeface="Microsoft JhengHei" panose="020B0604030504040204" pitchFamily="34" charset="-120"/>
+              </a:rPr>
+              <a:t>袮</a:t>
+            </a:r>
+            <a:r>
+              <a:rPr lang="zh-TW" altLang="en-US" sz="6400" b="1" dirty="0" smtClean="0">
+                <a:solidFill>
+                  <a:srgbClr val="000066"/>
+                </a:solidFill>
+                <a:latin typeface="Microsoft JhengHei" panose="020B0604030504040204" pitchFamily="34" charset="-120"/>
+                <a:ea typeface="Microsoft JhengHei" panose="020B0604030504040204" pitchFamily="34" charset="-120"/>
+              </a:rPr>
+              <a:t>意</a:t>
+            </a:r>
+            <a:r>
+              <a:rPr lang="zh-TW" altLang="en-US" sz="6400" b="1" dirty="0">
+                <a:solidFill>
+                  <a:srgbClr val="000066"/>
+                </a:solidFill>
+                <a:latin typeface="Microsoft JhengHei" panose="020B0604030504040204" pitchFamily="34" charset="-120"/>
+                <a:ea typeface="Microsoft JhengHei" panose="020B0604030504040204" pitchFamily="34" charset="-120"/>
+              </a:rPr>
+              <a:t>行  主  </a:t>
+            </a:r>
+            <a:r>
+              <a:rPr lang="zh-TW" altLang="en-US" sz="6400" b="1" dirty="0" smtClean="0">
+                <a:solidFill>
+                  <a:srgbClr val="000066"/>
+                </a:solidFill>
+                <a:latin typeface="Microsoft JhengHei" panose="020B0604030504040204" pitchFamily="34" charset="-120"/>
+                <a:ea typeface="Microsoft JhengHei" panose="020B0604030504040204" pitchFamily="34" charset="-120"/>
+              </a:rPr>
+              <a:t>憑</a:t>
+            </a:r>
+            <a:r>
+              <a:rPr lang="zh-CN" altLang="en-US" sz="6400" b="1" dirty="0">
+                <a:solidFill>
+                  <a:srgbClr val="000066"/>
+                </a:solidFill>
+                <a:latin typeface="Microsoft JhengHei" panose="020B0604030504040204" pitchFamily="34" charset="-120"/>
+                <a:ea typeface="Microsoft JhengHei" panose="020B0604030504040204" pitchFamily="34" charset="-120"/>
+              </a:rPr>
+              <a:t>袮</a:t>
+            </a:r>
+            <a:r>
+              <a:rPr lang="zh-TW" altLang="en-US" sz="6400" b="1" dirty="0" smtClean="0">
+                <a:solidFill>
+                  <a:srgbClr val="000066"/>
+                </a:solidFill>
+                <a:latin typeface="Microsoft JhengHei" panose="020B0604030504040204" pitchFamily="34" charset="-120"/>
+                <a:ea typeface="Microsoft JhengHei" panose="020B0604030504040204" pitchFamily="34" charset="-120"/>
+              </a:rPr>
+              <a:t>意</a:t>
+            </a:r>
+            <a:r>
+              <a:rPr lang="zh-TW" altLang="en-US" sz="6400" b="1" dirty="0">
+                <a:solidFill>
+                  <a:srgbClr val="000066"/>
+                </a:solidFill>
+                <a:latin typeface="Microsoft JhengHei" panose="020B0604030504040204" pitchFamily="34" charset="-120"/>
+                <a:ea typeface="Microsoft JhengHei" panose="020B0604030504040204" pitchFamily="34" charset="-120"/>
+              </a:rPr>
+              <a:t>行</a:t>
             </a:r>
             <a:endParaRPr lang="en-US" altLang="zh-TW" sz="6400" b="1" dirty="0">
               <a:solidFill>
@@ -4261,7 +4560,6 @@
                 <a:solidFill>
                   <a:srgbClr val="000066"/>
                 </a:solidFill>
-                <a:effectLst/>
               </a:rPr>
               <a:t>( </a:t>
             </a:r>
@@ -4270,7 +4568,6 @@
                 <a:solidFill>
                   <a:srgbClr val="000066"/>
                 </a:solidFill>
-                <a:effectLst/>
               </a:rPr>
               <a:t>4 </a:t>
             </a:r>
@@ -4279,15 +4576,13 @@
                 <a:solidFill>
                   <a:srgbClr val="000066"/>
                 </a:solidFill>
-                <a:effectLst/>
-              </a:rPr>
-              <a:t>)</a:t>
+              </a:rPr>
+              <a:t>/ 4 )</a:t>
             </a:r>
             <a:endParaRPr lang="vi-VN" sz="4000" b="1" dirty="0">
               <a:solidFill>
                 <a:srgbClr val="000066"/>
               </a:solidFill>
-              <a:effectLst/>
             </a:endParaRPr>
           </a:p>
         </p:txBody>
@@ -4420,33 +4715,13 @@
                 <a:solidFill>
                   <a:srgbClr val="000066"/>
                 </a:solidFill>
-                <a:effectLst/>
-              </a:rPr>
-              <a:t>( </a:t>
-            </a:r>
-            <a:r>
-              <a:rPr lang="en-US" sz="4000" b="1" dirty="0" smtClean="0">
-                <a:solidFill>
-                  <a:srgbClr val="000066"/>
-                </a:solidFill>
-                <a:effectLst/>
-              </a:rPr>
-              <a:t>4 </a:t>
-            </a:r>
-            <a:r>
-              <a:rPr lang="en-US" sz="4000" b="1" dirty="0">
-                <a:solidFill>
-                  <a:srgbClr val="000066"/>
-                </a:solidFill>
-                <a:effectLst/>
-              </a:rPr>
-              <a:t>)</a:t>
+              </a:rPr>
+              <a:t>( 4 / 4 )</a:t>
             </a:r>
             <a:endParaRPr lang="vi-VN" sz="4000" b="1" dirty="0">
               <a:solidFill>
                 <a:srgbClr val="000066"/>
               </a:solidFill>
-              <a:effectLst/>
             </a:endParaRPr>
           </a:p>
         </p:txBody>

--- a/宣道詩/(宣道詩159)憑你意行.pptx
+++ b/宣道詩/(宣道詩159)憑你意行.pptx
@@ -312,7 +312,7 @@
           <a:p>
             <a:fld id="{5F61B72B-7FC3-4531-BDF9-745E58DBB0A3}" type="datetimeFigureOut">
               <a:rPr lang="zh-TW" altLang="en-US" smtClean="0"/>
-              <a:t>2022/6/9</a:t>
+              <a:t>2023/7/29</a:t>
             </a:fld>
             <a:endParaRPr lang="zh-TW" altLang="en-US"/>
           </a:p>
@@ -482,7 +482,7 @@
           <a:p>
             <a:fld id="{5F61B72B-7FC3-4531-BDF9-745E58DBB0A3}" type="datetimeFigureOut">
               <a:rPr lang="zh-TW" altLang="en-US" smtClean="0"/>
-              <a:t>2022/6/9</a:t>
+              <a:t>2023/7/29</a:t>
             </a:fld>
             <a:endParaRPr lang="zh-TW" altLang="en-US"/>
           </a:p>
@@ -662,7 +662,7 @@
           <a:p>
             <a:fld id="{5F61B72B-7FC3-4531-BDF9-745E58DBB0A3}" type="datetimeFigureOut">
               <a:rPr lang="zh-TW" altLang="en-US" smtClean="0"/>
-              <a:t>2022/6/9</a:t>
+              <a:t>2023/7/29</a:t>
             </a:fld>
             <a:endParaRPr lang="zh-TW" altLang="en-US"/>
           </a:p>
@@ -832,7 +832,7 @@
           <a:p>
             <a:fld id="{5F61B72B-7FC3-4531-BDF9-745E58DBB0A3}" type="datetimeFigureOut">
               <a:rPr lang="zh-TW" altLang="en-US" smtClean="0"/>
-              <a:t>2022/6/9</a:t>
+              <a:t>2023/7/29</a:t>
             </a:fld>
             <a:endParaRPr lang="zh-TW" altLang="en-US"/>
           </a:p>
@@ -1078,7 +1078,7 @@
           <a:p>
             <a:fld id="{5F61B72B-7FC3-4531-BDF9-745E58DBB0A3}" type="datetimeFigureOut">
               <a:rPr lang="zh-TW" altLang="en-US" smtClean="0"/>
-              <a:t>2022/6/9</a:t>
+              <a:t>2023/7/29</a:t>
             </a:fld>
             <a:endParaRPr lang="zh-TW" altLang="en-US"/>
           </a:p>
@@ -1366,7 +1366,7 @@
           <a:p>
             <a:fld id="{5F61B72B-7FC3-4531-BDF9-745E58DBB0A3}" type="datetimeFigureOut">
               <a:rPr lang="zh-TW" altLang="en-US" smtClean="0"/>
-              <a:t>2022/6/9</a:t>
+              <a:t>2023/7/29</a:t>
             </a:fld>
             <a:endParaRPr lang="zh-TW" altLang="en-US"/>
           </a:p>
@@ -1788,7 +1788,7 @@
           <a:p>
             <a:fld id="{5F61B72B-7FC3-4531-BDF9-745E58DBB0A3}" type="datetimeFigureOut">
               <a:rPr lang="zh-TW" altLang="en-US" smtClean="0"/>
-              <a:t>2022/6/9</a:t>
+              <a:t>2023/7/29</a:t>
             </a:fld>
             <a:endParaRPr lang="zh-TW" altLang="en-US"/>
           </a:p>
@@ -1906,7 +1906,7 @@
           <a:p>
             <a:fld id="{5F61B72B-7FC3-4531-BDF9-745E58DBB0A3}" type="datetimeFigureOut">
               <a:rPr lang="zh-TW" altLang="en-US" smtClean="0"/>
-              <a:t>2022/6/9</a:t>
+              <a:t>2023/7/29</a:t>
             </a:fld>
             <a:endParaRPr lang="zh-TW" altLang="en-US"/>
           </a:p>
@@ -2001,7 +2001,7 @@
           <a:p>
             <a:fld id="{5F61B72B-7FC3-4531-BDF9-745E58DBB0A3}" type="datetimeFigureOut">
               <a:rPr lang="zh-TW" altLang="en-US" smtClean="0"/>
-              <a:t>2022/6/9</a:t>
+              <a:t>2023/7/29</a:t>
             </a:fld>
             <a:endParaRPr lang="zh-TW" altLang="en-US"/>
           </a:p>
@@ -2278,7 +2278,7 @@
           <a:p>
             <a:fld id="{5F61B72B-7FC3-4531-BDF9-745E58DBB0A3}" type="datetimeFigureOut">
               <a:rPr lang="zh-TW" altLang="en-US" smtClean="0"/>
-              <a:t>2022/6/9</a:t>
+              <a:t>2023/7/29</a:t>
             </a:fld>
             <a:endParaRPr lang="zh-TW" altLang="en-US"/>
           </a:p>
@@ -2535,7 +2535,7 @@
           <a:p>
             <a:fld id="{5F61B72B-7FC3-4531-BDF9-745E58DBB0A3}" type="datetimeFigureOut">
               <a:rPr lang="zh-TW" altLang="en-US" smtClean="0"/>
-              <a:t>2022/6/9</a:t>
+              <a:t>2023/7/29</a:t>
             </a:fld>
             <a:endParaRPr lang="zh-TW" altLang="en-US"/>
           </a:p>
@@ -2753,7 +2753,7 @@
           <a:p>
             <a:fld id="{5F61B72B-7FC3-4531-BDF9-745E58DBB0A3}" type="datetimeFigureOut">
               <a:rPr lang="zh-TW" altLang="en-US" smtClean="0"/>
-              <a:t>2022/6/9</a:t>
+              <a:t>2023/7/29</a:t>
             </a:fld>
             <a:endParaRPr lang="zh-TW" altLang="en-US"/>
           </a:p>
@@ -3235,7 +3235,7 @@
               <a:t>憑</a:t>
             </a:r>
             <a:r>
-              <a:rPr lang="zh-CN" altLang="en-US" sz="8000" b="1" smtClean="0">
+              <a:rPr lang="zh-CN" altLang="en-US" sz="8000" b="1" dirty="0" smtClean="0">
                 <a:solidFill>
                   <a:srgbClr val="000066"/>
                 </a:solidFill>
@@ -3249,10 +3249,10 @@
                 <a:latin typeface="微軟正黑體" pitchFamily="34" charset="-120"/>
                 <a:ea typeface="微軟正黑體" pitchFamily="34" charset="-120"/>
               </a:rPr>
-              <a:t>袮</a:t>
-            </a:r>
-            <a:r>
-              <a:rPr lang="zh-TW" altLang="en-US" sz="8000" b="1" smtClean="0">
+              <a:t>祢</a:t>
+            </a:r>
+            <a:r>
+              <a:rPr lang="zh-TW" altLang="en-US" sz="8000" b="1" dirty="0" smtClean="0">
                 <a:solidFill>
                   <a:srgbClr val="000066"/>
                 </a:solidFill>
@@ -3361,17 +3361,17 @@
               <a:t>憑</a:t>
             </a:r>
             <a:r>
-              <a:rPr lang="zh-CN" altLang="en-US" sz="6400" b="1" dirty="0" smtClean="0">
+              <a:rPr lang="zh-CN" altLang="en-US" sz="6400" b="1" dirty="0">
                 <a:solidFill>
                   <a:srgbClr val="000066"/>
                 </a:solidFill>
                 <a:latin typeface="Microsoft JhengHei" panose="020B0604030504040204" pitchFamily="34" charset="-120"/>
                 <a:ea typeface="Microsoft JhengHei" panose="020B0604030504040204" pitchFamily="34" charset="-120"/>
               </a:rPr>
-              <a:t>袮</a:t>
-            </a:r>
-            <a:r>
-              <a:rPr lang="zh-TW" altLang="en-US" sz="6400" b="1" dirty="0" smtClean="0">
+              <a:t>祢</a:t>
+            </a:r>
+            <a:r>
+              <a:rPr lang="zh-TW" altLang="en-US" sz="6400" b="1" dirty="0">
                 <a:solidFill>
                   <a:srgbClr val="000066"/>
                 </a:solidFill>
@@ -3408,7 +3408,7 @@
                 <a:latin typeface="Microsoft JhengHei" panose="020B0604030504040204" pitchFamily="34" charset="-120"/>
                 <a:ea typeface="Microsoft JhengHei" panose="020B0604030504040204" pitchFamily="34" charset="-120"/>
               </a:rPr>
-              <a:t>袮</a:t>
+              <a:t>祢</a:t>
             </a:r>
             <a:r>
               <a:rPr lang="zh-TW" altLang="en-US" sz="6400" b="1" dirty="0" smtClean="0">
@@ -3716,7 +3716,7 @@
                 <a:latin typeface="Microsoft JhengHei" panose="020B0604030504040204" pitchFamily="34" charset="-120"/>
                 <a:ea typeface="Microsoft JhengHei" panose="020B0604030504040204" pitchFamily="34" charset="-120"/>
               </a:rPr>
-              <a:t>袮</a:t>
+              <a:t>祢</a:t>
             </a:r>
             <a:r>
               <a:rPr lang="zh-TW" altLang="en-US" sz="6400" b="1" dirty="0" smtClean="0">
@@ -3756,7 +3756,7 @@
                 <a:latin typeface="Microsoft JhengHei" panose="020B0604030504040204" pitchFamily="34" charset="-120"/>
                 <a:ea typeface="Microsoft JhengHei" panose="020B0604030504040204" pitchFamily="34" charset="-120"/>
               </a:rPr>
-              <a:t>袮</a:t>
+              <a:t>祢</a:t>
             </a:r>
             <a:r>
               <a:rPr lang="zh-TW" altLang="en-US" sz="6400" b="1" dirty="0" smtClean="0">
@@ -4067,7 +4067,7 @@
                 <a:latin typeface="Microsoft JhengHei" panose="020B0604030504040204" pitchFamily="34" charset="-120"/>
                 <a:ea typeface="Microsoft JhengHei" panose="020B0604030504040204" pitchFamily="34" charset="-120"/>
               </a:rPr>
-              <a:t>袮</a:t>
+              <a:t>祢</a:t>
             </a:r>
             <a:r>
               <a:rPr lang="zh-TW" altLang="en-US" sz="6400" b="1" dirty="0" smtClean="0">
@@ -4107,7 +4107,7 @@
                 <a:latin typeface="Microsoft JhengHei" panose="020B0604030504040204" pitchFamily="34" charset="-120"/>
                 <a:ea typeface="Microsoft JhengHei" panose="020B0604030504040204" pitchFamily="34" charset="-120"/>
               </a:rPr>
-              <a:t>袮</a:t>
+              <a:t>祢</a:t>
             </a:r>
             <a:r>
               <a:rPr lang="zh-TW" altLang="en-US" sz="6400" b="1" dirty="0" smtClean="0">
@@ -4438,7 +4438,7 @@
                 <a:latin typeface="Microsoft JhengHei" panose="020B0604030504040204" pitchFamily="34" charset="-120"/>
                 <a:ea typeface="Microsoft JhengHei" panose="020B0604030504040204" pitchFamily="34" charset="-120"/>
               </a:rPr>
-              <a:t>袮</a:t>
+              <a:t>祢</a:t>
             </a:r>
             <a:r>
               <a:rPr lang="zh-TW" altLang="en-US" sz="6400" b="1" dirty="0" smtClean="0">
@@ -4478,7 +4478,7 @@
                 <a:latin typeface="Microsoft JhengHei" panose="020B0604030504040204" pitchFamily="34" charset="-120"/>
                 <a:ea typeface="Microsoft JhengHei" panose="020B0604030504040204" pitchFamily="34" charset="-120"/>
               </a:rPr>
-              <a:t>袮</a:t>
+              <a:t>祢</a:t>
             </a:r>
             <a:r>
               <a:rPr lang="zh-TW" altLang="en-US" sz="6400" b="1" dirty="0" smtClean="0">

--- a/宣道詩/(宣道詩159)憑你意行.pptx
+++ b/宣道詩/(宣道詩159)憑你意行.pptx
@@ -114,7 +114,7 @@
   </p:defaultTextStyle>
   <p:extLst>
     <p:ext uri="{EFAFB233-063F-42B5-8137-9DF3F51BA10A}">
-      <p15:sldGuideLst xmlns:p15="http://schemas.microsoft.com/office/powerpoint/2012/main">
+      <p15:sldGuideLst xmlns:p15="http://schemas.microsoft.com/office/powerpoint/2012/main" xmlns="">
         <p15:guide id="1" orient="horz" pos="2160" userDrawn="1">
           <p15:clr>
             <a:srgbClr val="A4A3A4"/>
@@ -312,7 +312,8 @@
           <a:p>
             <a:fld id="{5F61B72B-7FC3-4531-BDF9-745E58DBB0A3}" type="datetimeFigureOut">
               <a:rPr lang="zh-TW" altLang="en-US" smtClean="0"/>
-              <a:t>2023/7/29</a:t>
+              <a:pPr/>
+              <a:t>2023/7/30</a:t>
             </a:fld>
             <a:endParaRPr lang="zh-TW" altLang="en-US"/>
           </a:p>
@@ -354,6 +355,7 @@
           <a:p>
             <a:fld id="{6718A7BD-3DD7-40E0-8EB9-BADBFB1E5189}" type="slidenum">
               <a:rPr lang="zh-TW" altLang="en-US" smtClean="0"/>
+              <a:pPr/>
               <a:t>‹#›</a:t>
             </a:fld>
             <a:endParaRPr lang="zh-TW" altLang="en-US"/>
@@ -363,7 +365,7 @@
     </p:spTree>
     <p:extLst>
       <p:ext uri="{BB962C8B-B14F-4D97-AF65-F5344CB8AC3E}">
-        <p14:creationId xmlns:p14="http://schemas.microsoft.com/office/powerpoint/2010/main" val="710837116"/>
+        <p14:creationId xmlns:p14="http://schemas.microsoft.com/office/powerpoint/2010/main" xmlns="" val="710837116"/>
       </p:ext>
     </p:extLst>
   </p:cSld>
@@ -482,7 +484,8 @@
           <a:p>
             <a:fld id="{5F61B72B-7FC3-4531-BDF9-745E58DBB0A3}" type="datetimeFigureOut">
               <a:rPr lang="zh-TW" altLang="en-US" smtClean="0"/>
-              <a:t>2023/7/29</a:t>
+              <a:pPr/>
+              <a:t>2023/7/30</a:t>
             </a:fld>
             <a:endParaRPr lang="zh-TW" altLang="en-US"/>
           </a:p>
@@ -524,6 +527,7 @@
           <a:p>
             <a:fld id="{6718A7BD-3DD7-40E0-8EB9-BADBFB1E5189}" type="slidenum">
               <a:rPr lang="zh-TW" altLang="en-US" smtClean="0"/>
+              <a:pPr/>
               <a:t>‹#›</a:t>
             </a:fld>
             <a:endParaRPr lang="zh-TW" altLang="en-US"/>
@@ -533,7 +537,7 @@
     </p:spTree>
     <p:extLst>
       <p:ext uri="{BB962C8B-B14F-4D97-AF65-F5344CB8AC3E}">
-        <p14:creationId xmlns:p14="http://schemas.microsoft.com/office/powerpoint/2010/main" val="2288483077"/>
+        <p14:creationId xmlns:p14="http://schemas.microsoft.com/office/powerpoint/2010/main" xmlns="" val="2288483077"/>
       </p:ext>
     </p:extLst>
   </p:cSld>
@@ -662,7 +666,8 @@
           <a:p>
             <a:fld id="{5F61B72B-7FC3-4531-BDF9-745E58DBB0A3}" type="datetimeFigureOut">
               <a:rPr lang="zh-TW" altLang="en-US" smtClean="0"/>
-              <a:t>2023/7/29</a:t>
+              <a:pPr/>
+              <a:t>2023/7/30</a:t>
             </a:fld>
             <a:endParaRPr lang="zh-TW" altLang="en-US"/>
           </a:p>
@@ -704,6 +709,7 @@
           <a:p>
             <a:fld id="{6718A7BD-3DD7-40E0-8EB9-BADBFB1E5189}" type="slidenum">
               <a:rPr lang="zh-TW" altLang="en-US" smtClean="0"/>
+              <a:pPr/>
               <a:t>‹#›</a:t>
             </a:fld>
             <a:endParaRPr lang="zh-TW" altLang="en-US"/>
@@ -713,7 +719,7 @@
     </p:spTree>
     <p:extLst>
       <p:ext uri="{BB962C8B-B14F-4D97-AF65-F5344CB8AC3E}">
-        <p14:creationId xmlns:p14="http://schemas.microsoft.com/office/powerpoint/2010/main" val="3579392451"/>
+        <p14:creationId xmlns:p14="http://schemas.microsoft.com/office/powerpoint/2010/main" xmlns="" val="3579392451"/>
       </p:ext>
     </p:extLst>
   </p:cSld>
@@ -832,7 +838,8 @@
           <a:p>
             <a:fld id="{5F61B72B-7FC3-4531-BDF9-745E58DBB0A3}" type="datetimeFigureOut">
               <a:rPr lang="zh-TW" altLang="en-US" smtClean="0"/>
-              <a:t>2023/7/29</a:t>
+              <a:pPr/>
+              <a:t>2023/7/30</a:t>
             </a:fld>
             <a:endParaRPr lang="zh-TW" altLang="en-US"/>
           </a:p>
@@ -874,6 +881,7 @@
           <a:p>
             <a:fld id="{6718A7BD-3DD7-40E0-8EB9-BADBFB1E5189}" type="slidenum">
               <a:rPr lang="zh-TW" altLang="en-US" smtClean="0"/>
+              <a:pPr/>
               <a:t>‹#›</a:t>
             </a:fld>
             <a:endParaRPr lang="zh-TW" altLang="en-US"/>
@@ -883,7 +891,7 @@
     </p:spTree>
     <p:extLst>
       <p:ext uri="{BB962C8B-B14F-4D97-AF65-F5344CB8AC3E}">
-        <p14:creationId xmlns:p14="http://schemas.microsoft.com/office/powerpoint/2010/main" val="4114485289"/>
+        <p14:creationId xmlns:p14="http://schemas.microsoft.com/office/powerpoint/2010/main" xmlns="" val="4114485289"/>
       </p:ext>
     </p:extLst>
   </p:cSld>
@@ -1078,7 +1086,8 @@
           <a:p>
             <a:fld id="{5F61B72B-7FC3-4531-BDF9-745E58DBB0A3}" type="datetimeFigureOut">
               <a:rPr lang="zh-TW" altLang="en-US" smtClean="0"/>
-              <a:t>2023/7/29</a:t>
+              <a:pPr/>
+              <a:t>2023/7/30</a:t>
             </a:fld>
             <a:endParaRPr lang="zh-TW" altLang="en-US"/>
           </a:p>
@@ -1120,6 +1129,7 @@
           <a:p>
             <a:fld id="{6718A7BD-3DD7-40E0-8EB9-BADBFB1E5189}" type="slidenum">
               <a:rPr lang="zh-TW" altLang="en-US" smtClean="0"/>
+              <a:pPr/>
               <a:t>‹#›</a:t>
             </a:fld>
             <a:endParaRPr lang="zh-TW" altLang="en-US"/>
@@ -1129,7 +1139,7 @@
     </p:spTree>
     <p:extLst>
       <p:ext uri="{BB962C8B-B14F-4D97-AF65-F5344CB8AC3E}">
-        <p14:creationId xmlns:p14="http://schemas.microsoft.com/office/powerpoint/2010/main" val="2986006365"/>
+        <p14:creationId xmlns:p14="http://schemas.microsoft.com/office/powerpoint/2010/main" xmlns="" val="2986006365"/>
       </p:ext>
     </p:extLst>
   </p:cSld>
@@ -1366,7 +1376,8 @@
           <a:p>
             <a:fld id="{5F61B72B-7FC3-4531-BDF9-745E58DBB0A3}" type="datetimeFigureOut">
               <a:rPr lang="zh-TW" altLang="en-US" smtClean="0"/>
-              <a:t>2023/7/29</a:t>
+              <a:pPr/>
+              <a:t>2023/7/30</a:t>
             </a:fld>
             <a:endParaRPr lang="zh-TW" altLang="en-US"/>
           </a:p>
@@ -1408,6 +1419,7 @@
           <a:p>
             <a:fld id="{6718A7BD-3DD7-40E0-8EB9-BADBFB1E5189}" type="slidenum">
               <a:rPr lang="zh-TW" altLang="en-US" smtClean="0"/>
+              <a:pPr/>
               <a:t>‹#›</a:t>
             </a:fld>
             <a:endParaRPr lang="zh-TW" altLang="en-US"/>
@@ -1417,7 +1429,7 @@
     </p:spTree>
     <p:extLst>
       <p:ext uri="{BB962C8B-B14F-4D97-AF65-F5344CB8AC3E}">
-        <p14:creationId xmlns:p14="http://schemas.microsoft.com/office/powerpoint/2010/main" val="3909712425"/>
+        <p14:creationId xmlns:p14="http://schemas.microsoft.com/office/powerpoint/2010/main" xmlns="" val="3909712425"/>
       </p:ext>
     </p:extLst>
   </p:cSld>
@@ -1788,7 +1800,8 @@
           <a:p>
             <a:fld id="{5F61B72B-7FC3-4531-BDF9-745E58DBB0A3}" type="datetimeFigureOut">
               <a:rPr lang="zh-TW" altLang="en-US" smtClean="0"/>
-              <a:t>2023/7/29</a:t>
+              <a:pPr/>
+              <a:t>2023/7/30</a:t>
             </a:fld>
             <a:endParaRPr lang="zh-TW" altLang="en-US"/>
           </a:p>
@@ -1830,6 +1843,7 @@
           <a:p>
             <a:fld id="{6718A7BD-3DD7-40E0-8EB9-BADBFB1E5189}" type="slidenum">
               <a:rPr lang="zh-TW" altLang="en-US" smtClean="0"/>
+              <a:pPr/>
               <a:t>‹#›</a:t>
             </a:fld>
             <a:endParaRPr lang="zh-TW" altLang="en-US"/>
@@ -1839,7 +1853,7 @@
     </p:spTree>
     <p:extLst>
       <p:ext uri="{BB962C8B-B14F-4D97-AF65-F5344CB8AC3E}">
-        <p14:creationId xmlns:p14="http://schemas.microsoft.com/office/powerpoint/2010/main" val="3591315821"/>
+        <p14:creationId xmlns:p14="http://schemas.microsoft.com/office/powerpoint/2010/main" xmlns="" val="3591315821"/>
       </p:ext>
     </p:extLst>
   </p:cSld>
@@ -1906,7 +1920,8 @@
           <a:p>
             <a:fld id="{5F61B72B-7FC3-4531-BDF9-745E58DBB0A3}" type="datetimeFigureOut">
               <a:rPr lang="zh-TW" altLang="en-US" smtClean="0"/>
-              <a:t>2023/7/29</a:t>
+              <a:pPr/>
+              <a:t>2023/7/30</a:t>
             </a:fld>
             <a:endParaRPr lang="zh-TW" altLang="en-US"/>
           </a:p>
@@ -1948,6 +1963,7 @@
           <a:p>
             <a:fld id="{6718A7BD-3DD7-40E0-8EB9-BADBFB1E5189}" type="slidenum">
               <a:rPr lang="zh-TW" altLang="en-US" smtClean="0"/>
+              <a:pPr/>
               <a:t>‹#›</a:t>
             </a:fld>
             <a:endParaRPr lang="zh-TW" altLang="en-US"/>
@@ -1957,7 +1973,7 @@
     </p:spTree>
     <p:extLst>
       <p:ext uri="{BB962C8B-B14F-4D97-AF65-F5344CB8AC3E}">
-        <p14:creationId xmlns:p14="http://schemas.microsoft.com/office/powerpoint/2010/main" val="1577261897"/>
+        <p14:creationId xmlns:p14="http://schemas.microsoft.com/office/powerpoint/2010/main" xmlns="" val="1577261897"/>
       </p:ext>
     </p:extLst>
   </p:cSld>
@@ -2001,7 +2017,8 @@
           <a:p>
             <a:fld id="{5F61B72B-7FC3-4531-BDF9-745E58DBB0A3}" type="datetimeFigureOut">
               <a:rPr lang="zh-TW" altLang="en-US" smtClean="0"/>
-              <a:t>2023/7/29</a:t>
+              <a:pPr/>
+              <a:t>2023/7/30</a:t>
             </a:fld>
             <a:endParaRPr lang="zh-TW" altLang="en-US"/>
           </a:p>
@@ -2043,6 +2060,7 @@
           <a:p>
             <a:fld id="{6718A7BD-3DD7-40E0-8EB9-BADBFB1E5189}" type="slidenum">
               <a:rPr lang="zh-TW" altLang="en-US" smtClean="0"/>
+              <a:pPr/>
               <a:t>‹#›</a:t>
             </a:fld>
             <a:endParaRPr lang="zh-TW" altLang="en-US"/>
@@ -2052,7 +2070,7 @@
     </p:spTree>
     <p:extLst>
       <p:ext uri="{BB962C8B-B14F-4D97-AF65-F5344CB8AC3E}">
-        <p14:creationId xmlns:p14="http://schemas.microsoft.com/office/powerpoint/2010/main" val="111745206"/>
+        <p14:creationId xmlns:p14="http://schemas.microsoft.com/office/powerpoint/2010/main" xmlns="" val="111745206"/>
       </p:ext>
     </p:extLst>
   </p:cSld>
@@ -2278,7 +2296,8 @@
           <a:p>
             <a:fld id="{5F61B72B-7FC3-4531-BDF9-745E58DBB0A3}" type="datetimeFigureOut">
               <a:rPr lang="zh-TW" altLang="en-US" smtClean="0"/>
-              <a:t>2023/7/29</a:t>
+              <a:pPr/>
+              <a:t>2023/7/30</a:t>
             </a:fld>
             <a:endParaRPr lang="zh-TW" altLang="en-US"/>
           </a:p>
@@ -2320,6 +2339,7 @@
           <a:p>
             <a:fld id="{6718A7BD-3DD7-40E0-8EB9-BADBFB1E5189}" type="slidenum">
               <a:rPr lang="zh-TW" altLang="en-US" smtClean="0"/>
+              <a:pPr/>
               <a:t>‹#›</a:t>
             </a:fld>
             <a:endParaRPr lang="zh-TW" altLang="en-US"/>
@@ -2329,7 +2349,7 @@
     </p:spTree>
     <p:extLst>
       <p:ext uri="{BB962C8B-B14F-4D97-AF65-F5344CB8AC3E}">
-        <p14:creationId xmlns:p14="http://schemas.microsoft.com/office/powerpoint/2010/main" val="3318796065"/>
+        <p14:creationId xmlns:p14="http://schemas.microsoft.com/office/powerpoint/2010/main" xmlns="" val="3318796065"/>
       </p:ext>
     </p:extLst>
   </p:cSld>
@@ -2535,7 +2555,8 @@
           <a:p>
             <a:fld id="{5F61B72B-7FC3-4531-BDF9-745E58DBB0A3}" type="datetimeFigureOut">
               <a:rPr lang="zh-TW" altLang="en-US" smtClean="0"/>
-              <a:t>2023/7/29</a:t>
+              <a:pPr/>
+              <a:t>2023/7/30</a:t>
             </a:fld>
             <a:endParaRPr lang="zh-TW" altLang="en-US"/>
           </a:p>
@@ -2577,6 +2598,7 @@
           <a:p>
             <a:fld id="{6718A7BD-3DD7-40E0-8EB9-BADBFB1E5189}" type="slidenum">
               <a:rPr lang="zh-TW" altLang="en-US" smtClean="0"/>
+              <a:pPr/>
               <a:t>‹#›</a:t>
             </a:fld>
             <a:endParaRPr lang="zh-TW" altLang="en-US"/>
@@ -2586,7 +2608,7 @@
     </p:spTree>
     <p:extLst>
       <p:ext uri="{BB962C8B-B14F-4D97-AF65-F5344CB8AC3E}">
-        <p14:creationId xmlns:p14="http://schemas.microsoft.com/office/powerpoint/2010/main" val="1680787159"/>
+        <p14:creationId xmlns:p14="http://schemas.microsoft.com/office/powerpoint/2010/main" xmlns="" val="1680787159"/>
       </p:ext>
     </p:extLst>
   </p:cSld>
@@ -2753,7 +2775,8 @@
           <a:p>
             <a:fld id="{5F61B72B-7FC3-4531-BDF9-745E58DBB0A3}" type="datetimeFigureOut">
               <a:rPr lang="zh-TW" altLang="en-US" smtClean="0"/>
-              <a:t>2023/7/29</a:t>
+              <a:pPr/>
+              <a:t>2023/7/30</a:t>
             </a:fld>
             <a:endParaRPr lang="zh-TW" altLang="en-US"/>
           </a:p>
@@ -2831,6 +2854,7 @@
           <a:p>
             <a:fld id="{6718A7BD-3DD7-40E0-8EB9-BADBFB1E5189}" type="slidenum">
               <a:rPr lang="zh-TW" altLang="en-US" smtClean="0"/>
+              <a:pPr/>
               <a:t>‹#›</a:t>
             </a:fld>
             <a:endParaRPr lang="zh-TW" altLang="en-US"/>
@@ -2840,7 +2864,7 @@
     </p:spTree>
     <p:extLst>
       <p:ext uri="{BB962C8B-B14F-4D97-AF65-F5344CB8AC3E}">
-        <p14:creationId xmlns:p14="http://schemas.microsoft.com/office/powerpoint/2010/main" val="2416826654"/>
+        <p14:creationId xmlns:p14="http://schemas.microsoft.com/office/powerpoint/2010/main" xmlns="" val="2416826654"/>
       </p:ext>
     </p:extLst>
   </p:cSld>
@@ -3291,7 +3315,7 @@
     </p:spTree>
     <p:extLst>
       <p:ext uri="{BB962C8B-B14F-4D97-AF65-F5344CB8AC3E}">
-        <p14:creationId xmlns:p14="http://schemas.microsoft.com/office/powerpoint/2010/main" val="1236947944"/>
+        <p14:creationId xmlns:p14="http://schemas.microsoft.com/office/powerpoint/2010/main" xmlns="" val="1236947944"/>
       </p:ext>
     </p:extLst>
   </p:cSld>
@@ -3378,17 +3402,7 @@
                 <a:latin typeface="Microsoft JhengHei" panose="020B0604030504040204" pitchFamily="34" charset="-120"/>
                 <a:ea typeface="Microsoft JhengHei" panose="020B0604030504040204" pitchFamily="34" charset="-120"/>
               </a:rPr>
-              <a:t>意</a:t>
-            </a:r>
-            <a:r>
-              <a:rPr lang="zh-TW" altLang="en-US" sz="6400" b="1" dirty="0">
-                <a:solidFill>
-                  <a:srgbClr val="000066"/>
-                </a:solidFill>
-                <a:latin typeface="Microsoft JhengHei" panose="020B0604030504040204" pitchFamily="34" charset="-120"/>
-                <a:ea typeface="Microsoft JhengHei" panose="020B0604030504040204" pitchFamily="34" charset="-120"/>
-              </a:rPr>
-              <a:t>行  主  </a:t>
+              <a:t>意行  主  </a:t>
             </a:r>
             <a:r>
               <a:rPr lang="zh-TW" altLang="en-US" sz="6400" b="1" dirty="0" smtClean="0">
@@ -3517,7 +3531,7 @@
     </p:spTree>
     <p:extLst>
       <p:ext uri="{BB962C8B-B14F-4D97-AF65-F5344CB8AC3E}">
-        <p14:creationId xmlns:p14="http://schemas.microsoft.com/office/powerpoint/2010/main" val="2568945307"/>
+        <p14:creationId xmlns:p14="http://schemas.microsoft.com/office/powerpoint/2010/main" xmlns="" val="2568945307"/>
       </p:ext>
     </p:extLst>
   </p:cSld>
@@ -3646,7 +3660,7 @@
     </p:spTree>
     <p:extLst>
       <p:ext uri="{BB962C8B-B14F-4D97-AF65-F5344CB8AC3E}">
-        <p14:creationId xmlns:p14="http://schemas.microsoft.com/office/powerpoint/2010/main" val="189062975"/>
+        <p14:creationId xmlns:p14="http://schemas.microsoft.com/office/powerpoint/2010/main" xmlns="" val="189062975"/>
       </p:ext>
     </p:extLst>
   </p:cSld>
@@ -3868,7 +3882,7 @@
     </p:spTree>
     <p:extLst>
       <p:ext uri="{BB962C8B-B14F-4D97-AF65-F5344CB8AC3E}">
-        <p14:creationId xmlns:p14="http://schemas.microsoft.com/office/powerpoint/2010/main" val="2439709940"/>
+        <p14:creationId xmlns:p14="http://schemas.microsoft.com/office/powerpoint/2010/main" xmlns="" val="2439709940"/>
       </p:ext>
     </p:extLst>
   </p:cSld>
@@ -3997,7 +4011,7 @@
     </p:spTree>
     <p:extLst>
       <p:ext uri="{BB962C8B-B14F-4D97-AF65-F5344CB8AC3E}">
-        <p14:creationId xmlns:p14="http://schemas.microsoft.com/office/powerpoint/2010/main" val="2064526872"/>
+        <p14:creationId xmlns:p14="http://schemas.microsoft.com/office/powerpoint/2010/main" xmlns="" val="2064526872"/>
       </p:ext>
     </p:extLst>
   </p:cSld>
@@ -4219,7 +4233,7 @@
     </p:spTree>
     <p:extLst>
       <p:ext uri="{BB962C8B-B14F-4D97-AF65-F5344CB8AC3E}">
-        <p14:creationId xmlns:p14="http://schemas.microsoft.com/office/powerpoint/2010/main" val="1291882437"/>
+        <p14:creationId xmlns:p14="http://schemas.microsoft.com/office/powerpoint/2010/main" xmlns="" val="1291882437"/>
       </p:ext>
     </p:extLst>
   </p:cSld>
@@ -4294,24 +4308,24 @@
               <a:buNone/>
             </a:pPr>
             <a:r>
-              <a:rPr lang="zh-TW" altLang="en-US" sz="6400" b="1" dirty="0">
+              <a:rPr lang="zh-CN" altLang="en-US" sz="6400" b="1" smtClean="0">
                 <a:solidFill>
                   <a:srgbClr val="000066"/>
                 </a:solidFill>
                 <a:latin typeface="Microsoft JhengHei" panose="020B0604030504040204" pitchFamily="34" charset="-120"/>
                 <a:ea typeface="Microsoft JhengHei" panose="020B0604030504040204" pitchFamily="34" charset="-120"/>
               </a:rPr>
-              <a:t>撫</a:t>
-            </a:r>
-            <a:r>
-              <a:rPr lang="zh-CN" altLang="en-US" sz="6400" b="1" dirty="0">
+              <a:t>撫摸</a:t>
+            </a:r>
+            <a:r>
+              <a:rPr lang="zh-TW" altLang="en-US" sz="6400" b="1" smtClean="0">
                 <a:solidFill>
                   <a:srgbClr val="000066"/>
                 </a:solidFill>
                 <a:latin typeface="Microsoft JhengHei" panose="020B0604030504040204" pitchFamily="34" charset="-120"/>
                 <a:ea typeface="Microsoft JhengHei" panose="020B0604030504040204" pitchFamily="34" charset="-120"/>
               </a:rPr>
-              <a:t>摩</a:t>
+              <a:t>並</a:t>
             </a:r>
             <a:r>
               <a:rPr lang="zh-TW" altLang="en-US" sz="6400" b="1" dirty="0">
@@ -4321,7 +4335,7 @@
                 <a:latin typeface="Microsoft JhengHei" panose="020B0604030504040204" pitchFamily="34" charset="-120"/>
                 <a:ea typeface="Microsoft JhengHei" panose="020B0604030504040204" pitchFamily="34" charset="-120"/>
               </a:rPr>
-              <a:t>並醫治  救主我神</a:t>
+              <a:t>醫治  救主我神</a:t>
             </a:r>
           </a:p>
         </p:txBody>
@@ -4368,7 +4382,7 @@
     </p:spTree>
     <p:extLst>
       <p:ext uri="{BB962C8B-B14F-4D97-AF65-F5344CB8AC3E}">
-        <p14:creationId xmlns:p14="http://schemas.microsoft.com/office/powerpoint/2010/main" val="3246237205"/>
+        <p14:creationId xmlns:p14="http://schemas.microsoft.com/office/powerpoint/2010/main" xmlns="" val="3246237205"/>
       </p:ext>
     </p:extLst>
   </p:cSld>
@@ -4590,7 +4604,7 @@
     </p:spTree>
     <p:extLst>
       <p:ext uri="{BB962C8B-B14F-4D97-AF65-F5344CB8AC3E}">
-        <p14:creationId xmlns:p14="http://schemas.microsoft.com/office/powerpoint/2010/main" val="4211724115"/>
+        <p14:creationId xmlns:p14="http://schemas.microsoft.com/office/powerpoint/2010/main" xmlns="" val="4211724115"/>
       </p:ext>
     </p:extLst>
   </p:cSld>
@@ -4729,7 +4743,7 @@
     </p:spTree>
     <p:extLst>
       <p:ext uri="{BB962C8B-B14F-4D97-AF65-F5344CB8AC3E}">
-        <p14:creationId xmlns:p14="http://schemas.microsoft.com/office/powerpoint/2010/main" val="1036909342"/>
+        <p14:creationId xmlns:p14="http://schemas.microsoft.com/office/powerpoint/2010/main" xmlns="" val="1036909342"/>
       </p:ext>
     </p:extLst>
   </p:cSld>
@@ -5021,7 +5035,7 @@
   <a:extraClrSchemeLst/>
   <a:extLst>
     <a:ext uri="{05A4C25C-085E-4340-85A3-A5531E510DB2}">
-      <thm15:themeFamily xmlns:thm15="http://schemas.microsoft.com/office/thememl/2012/main" name="Theme1" id="{F8125CB7-D18B-46DC-9DCC-3C669FADD5A1}" vid="{0725724D-EDF4-4EF9-A9A7-DF024E339DCD}"/>
+      <thm15:themeFamily xmlns:thm15="http://schemas.microsoft.com/office/thememl/2012/main" xmlns="" name="Theme1" id="{F8125CB7-D18B-46DC-9DCC-3C669FADD5A1}" vid="{0725724D-EDF4-4EF9-A9A7-DF024E339DCD}"/>
     </a:ext>
   </a:extLst>
 </a:theme>
